--- a/Presentation/TSM_MobOp Mini Project.pptx
+++ b/Presentation/TSM_MobOp Mini Project.pptx
@@ -1,6 +1,6 @@
 
 <file path=ppt/presentation.xml><?xml version="1.0" encoding="utf-8"?>
-<p:presentation xmlns:a="http://schemas.openxmlformats.org/drawingml/2006/main" xmlns:r="http://schemas.openxmlformats.org/officeDocument/2006/relationships" xmlns:p="http://schemas.openxmlformats.org/presentationml/2006/main" saveSubsetFonts="1">
+<p:presentation xmlns:a="http://schemas.openxmlformats.org/drawingml/2006/main" xmlns:r="http://schemas.openxmlformats.org/officeDocument/2006/relationships" xmlns:p="http://schemas.openxmlformats.org/presentationml/2006/main" showSpecialPlsOnTitleSld="0" saveSubsetFonts="1">
   <p:sldMasterIdLst>
     <p:sldMasterId id="2147483660" r:id="rId1"/>
   </p:sldMasterIdLst>
@@ -9,17 +9,17 @@
   </p:notesMasterIdLst>
   <p:sldIdLst>
     <p:sldId id="256" r:id="rId2"/>
-    <p:sldId id="267" r:id="rId3"/>
-    <p:sldId id="257" r:id="rId4"/>
-    <p:sldId id="258" r:id="rId5"/>
-    <p:sldId id="259" r:id="rId6"/>
-    <p:sldId id="260" r:id="rId7"/>
-    <p:sldId id="261" r:id="rId8"/>
-    <p:sldId id="262" r:id="rId9"/>
-    <p:sldId id="263" r:id="rId10"/>
-    <p:sldId id="264" r:id="rId11"/>
-    <p:sldId id="265" r:id="rId12"/>
-    <p:sldId id="266" r:id="rId13"/>
+    <p:sldId id="257" r:id="rId3"/>
+    <p:sldId id="258" r:id="rId4"/>
+    <p:sldId id="259" r:id="rId5"/>
+    <p:sldId id="260" r:id="rId6"/>
+    <p:sldId id="261" r:id="rId7"/>
+    <p:sldId id="262" r:id="rId8"/>
+    <p:sldId id="263" r:id="rId9"/>
+    <p:sldId id="264" r:id="rId10"/>
+    <p:sldId id="265" r:id="rId11"/>
+    <p:sldId id="266" r:id="rId12"/>
+    <p:sldId id="267" r:id="rId13"/>
   </p:sldIdLst>
   <p:sldSz cx="12192000" cy="6858000"/>
   <p:notesSz cx="6858000" cy="9144000"/>
@@ -118,7 +118,24 @@
       </a:defRPr>
     </a:lvl9pPr>
   </p:defaultTextStyle>
+  <p:extLst>
+    <p:ext uri="{EFAFB233-063F-42B5-8137-9DF3F51BA10A}">
+      <p15:sldGuideLst xmlns:p15="http://schemas.microsoft.com/office/powerpoint/2012/main"/>
+    </p:ext>
+  </p:extLst>
 </p:presentation>
+</file>
+
+<file path=ppt/commentAuthors.xml><?xml version="1.0" encoding="utf-8"?>
+<p:cmAuthorLst xmlns:a="http://schemas.openxmlformats.org/drawingml/2006/main" xmlns:r="http://schemas.openxmlformats.org/officeDocument/2006/relationships" xmlns:p="http://schemas.openxmlformats.org/presentationml/2006/main">
+  <p:cmAuthor id="1" name="Lucas" initials="L" lastIdx="1" clrIdx="0">
+    <p:extLst>
+      <p:ext uri="{19B8F6BF-5375-455C-9EA6-DF929625EA0E}">
+        <p15:presenceInfo xmlns:p15="http://schemas.microsoft.com/office/powerpoint/2012/main" userId="Lucas" providerId="None"/>
+      </p:ext>
+    </p:extLst>
+  </p:cmAuthor>
+</p:cmAuthorLst>
 </file>
 
 <file path=ppt/notesMasters/notesMaster1.xml><?xml version="1.0" encoding="utf-8"?>
@@ -201,7 +218,7 @@
             </a:lvl1pPr>
           </a:lstStyle>
           <a:p>
-            <a:fld id="{6B6A3375-966B-4C9A-918A-B50A88D99E7C}" type="datetimeFigureOut">
+            <a:fld id="{568E6D22-FE0B-45C7-B686-03251C886115}" type="datetimeFigureOut">
               <a:rPr lang="de-CH" smtClean="0"/>
               <a:t>09.04.2015</a:t>
             </a:fld>
@@ -360,7 +377,7 @@
             </a:lvl1pPr>
           </a:lstStyle>
           <a:p>
-            <a:fld id="{BA4F26C9-F767-4760-9777-93D9B1521FC1}" type="slidenum">
+            <a:fld id="{ACB6DF91-C714-4817-8FD5-23780B7EB63B}" type="slidenum">
               <a:rPr lang="de-CH" smtClean="0"/>
               <a:t>‹#›</a:t>
             </a:fld>
@@ -371,7 +388,7 @@
     </p:spTree>
     <p:extLst>
       <p:ext uri="{BB962C8B-B14F-4D97-AF65-F5344CB8AC3E}">
-        <p14:creationId xmlns:p14="http://schemas.microsoft.com/office/powerpoint/2010/main" val="22267840"/>
+        <p14:creationId xmlns:p14="http://schemas.microsoft.com/office/powerpoint/2010/main" val="3745146126"/>
       </p:ext>
     </p:extLst>
   </p:cSld>
@@ -534,7 +551,7 @@
           <a:bodyPr/>
           <a:lstStyle/>
           <a:p>
-            <a:fld id="{BA4F26C9-F767-4760-9777-93D9B1521FC1}" type="slidenum">
+            <a:fld id="{ACB6DF91-C714-4817-8FD5-23780B7EB63B}" type="slidenum">
               <a:rPr lang="de-CH" smtClean="0"/>
               <a:t>1</a:t>
             </a:fld>
@@ -545,7 +562,7 @@
     </p:spTree>
     <p:extLst>
       <p:ext uri="{BB962C8B-B14F-4D97-AF65-F5344CB8AC3E}">
-        <p14:creationId xmlns:p14="http://schemas.microsoft.com/office/powerpoint/2010/main" val="609152319"/>
+        <p14:creationId xmlns:p14="http://schemas.microsoft.com/office/powerpoint/2010/main" val="2253826507"/>
       </p:ext>
     </p:extLst>
   </p:cSld>
@@ -618,9 +635,9 @@
           <a:bodyPr/>
           <a:lstStyle/>
           <a:p>
-            <a:fld id="{BA4F26C9-F767-4760-9777-93D9B1521FC1}" type="slidenum">
+            <a:fld id="{ACB6DF91-C714-4817-8FD5-23780B7EB63B}" type="slidenum">
               <a:rPr lang="de-CH" smtClean="0"/>
-              <a:t>3</a:t>
+              <a:t>2</a:t>
             </a:fld>
             <a:endParaRPr lang="de-CH"/>
           </a:p>
@@ -629,7 +646,7 @@
     </p:spTree>
     <p:extLst>
       <p:ext uri="{BB962C8B-B14F-4D97-AF65-F5344CB8AC3E}">
-        <p14:creationId xmlns:p14="http://schemas.microsoft.com/office/powerpoint/2010/main" val="2816414552"/>
+        <p14:creationId xmlns:p14="http://schemas.microsoft.com/office/powerpoint/2010/main" val="980298"/>
       </p:ext>
     </p:extLst>
   </p:cSld>
@@ -864,7 +881,7 @@
           <a:lstStyle/>
           <a:p>
             <a:r>
-              <a:rPr lang="de-CH" smtClean="0"/>
+              <a:rPr lang="de-DE" smtClean="0"/>
               <a:t>13.04.2015</a:t>
             </a:r>
             <a:endParaRPr lang="de-CH"/>
@@ -888,7 +905,7 @@
           <a:p>
             <a:r>
               <a:rPr lang="en-US" smtClean="0"/>
-              <a:t>TSM_MobOp Augmented City Finder: Nils Frey, Lucas Graf, Thomas Strebel</a:t>
+              <a:t>ACF: Nils Frey, Lucas Graf and Thomas Strebel</a:t>
             </a:r>
             <a:endParaRPr lang="de-CH"/>
           </a:p>
@@ -909,7 +926,7 @@
           <a:bodyPr/>
           <a:lstStyle/>
           <a:p>
-            <a:fld id="{0FC02E39-DF30-4134-BCDF-AD4758630250}" type="slidenum">
+            <a:fld id="{38534A16-F4EA-42C1-9196-9164AB5EF764}" type="slidenum">
               <a:rPr lang="de-CH" smtClean="0"/>
               <a:t>‹#›</a:t>
             </a:fld>
@@ -958,7 +975,7 @@
     </p:spTree>
     <p:extLst>
       <p:ext uri="{BB962C8B-B14F-4D97-AF65-F5344CB8AC3E}">
-        <p14:creationId xmlns:p14="http://schemas.microsoft.com/office/powerpoint/2010/main" val="2254831459"/>
+        <p14:creationId xmlns:p14="http://schemas.microsoft.com/office/powerpoint/2010/main" val="1337976389"/>
       </p:ext>
     </p:extLst>
   </p:cSld>
@@ -1076,7 +1093,7 @@
           <a:lstStyle/>
           <a:p>
             <a:r>
-              <a:rPr lang="de-CH" smtClean="0"/>
+              <a:rPr lang="de-DE" smtClean="0"/>
               <a:t>13.04.2015</a:t>
             </a:r>
             <a:endParaRPr lang="de-CH"/>
@@ -1100,7 +1117,7 @@
           <a:p>
             <a:r>
               <a:rPr lang="en-US" smtClean="0"/>
-              <a:t>TSM_MobOp Augmented City Finder: Nils Frey, Lucas Graf, Thomas Strebel</a:t>
+              <a:t>ACF: Nils Frey, Lucas Graf and Thomas Strebel</a:t>
             </a:r>
             <a:endParaRPr lang="de-CH"/>
           </a:p>
@@ -1121,7 +1138,7 @@
           <a:bodyPr/>
           <a:lstStyle/>
           <a:p>
-            <a:fld id="{0FC02E39-DF30-4134-BCDF-AD4758630250}" type="slidenum">
+            <a:fld id="{38534A16-F4EA-42C1-9196-9164AB5EF764}" type="slidenum">
               <a:rPr lang="de-CH" smtClean="0"/>
               <a:t>‹#›</a:t>
             </a:fld>
@@ -1132,7 +1149,7 @@
     </p:spTree>
     <p:extLst>
       <p:ext uri="{BB962C8B-B14F-4D97-AF65-F5344CB8AC3E}">
-        <p14:creationId xmlns:p14="http://schemas.microsoft.com/office/powerpoint/2010/main" val="2885601619"/>
+        <p14:creationId xmlns:p14="http://schemas.microsoft.com/office/powerpoint/2010/main" val="2443986546"/>
       </p:ext>
     </p:extLst>
   </p:cSld>
@@ -1336,7 +1353,7 @@
           <a:lstStyle/>
           <a:p>
             <a:r>
-              <a:rPr lang="de-CH" smtClean="0"/>
+              <a:rPr lang="de-DE" smtClean="0"/>
               <a:t>13.04.2015</a:t>
             </a:r>
             <a:endParaRPr lang="de-CH"/>
@@ -1360,7 +1377,7 @@
           <a:p>
             <a:r>
               <a:rPr lang="en-US" smtClean="0"/>
-              <a:t>TSM_MobOp Augmented City Finder: Nils Frey, Lucas Graf, Thomas Strebel</a:t>
+              <a:t>ACF: Nils Frey, Lucas Graf and Thomas Strebel</a:t>
             </a:r>
             <a:endParaRPr lang="de-CH"/>
           </a:p>
@@ -1381,7 +1398,7 @@
           <a:bodyPr/>
           <a:lstStyle/>
           <a:p>
-            <a:fld id="{0FC02E39-DF30-4134-BCDF-AD4758630250}" type="slidenum">
+            <a:fld id="{38534A16-F4EA-42C1-9196-9164AB5EF764}" type="slidenum">
               <a:rPr lang="de-CH" smtClean="0"/>
               <a:t>‹#›</a:t>
             </a:fld>
@@ -1392,7 +1409,7 @@
     </p:spTree>
     <p:extLst>
       <p:ext uri="{BB962C8B-B14F-4D97-AF65-F5344CB8AC3E}">
-        <p14:creationId xmlns:p14="http://schemas.microsoft.com/office/powerpoint/2010/main" val="219806930"/>
+        <p14:creationId xmlns:p14="http://schemas.microsoft.com/office/powerpoint/2010/main" val="3853152484"/>
       </p:ext>
     </p:extLst>
   </p:cSld>
@@ -1514,7 +1531,7 @@
           <a:lstStyle/>
           <a:p>
             <a:r>
-              <a:rPr lang="de-CH" smtClean="0"/>
+              <a:rPr lang="de-DE" smtClean="0"/>
               <a:t>13.04.2015</a:t>
             </a:r>
             <a:endParaRPr lang="de-CH"/>
@@ -1538,7 +1555,7 @@
           <a:p>
             <a:r>
               <a:rPr lang="en-US" smtClean="0"/>
-              <a:t>TSM_MobOp Augmented City Finder: Nils Frey, Lucas Graf, Thomas Strebel</a:t>
+              <a:t>ACF: Nils Frey, Lucas Graf and Thomas Strebel</a:t>
             </a:r>
             <a:endParaRPr lang="de-CH"/>
           </a:p>
@@ -1559,7 +1576,7 @@
           <a:bodyPr/>
           <a:lstStyle/>
           <a:p>
-            <a:fld id="{0FC02E39-DF30-4134-BCDF-AD4758630250}" type="slidenum">
+            <a:fld id="{38534A16-F4EA-42C1-9196-9164AB5EF764}" type="slidenum">
               <a:rPr lang="de-CH" smtClean="0"/>
               <a:t>‹#›</a:t>
             </a:fld>
@@ -1570,7 +1587,7 @@
     </p:spTree>
     <p:extLst>
       <p:ext uri="{BB962C8B-B14F-4D97-AF65-F5344CB8AC3E}">
-        <p14:creationId xmlns:p14="http://schemas.microsoft.com/office/powerpoint/2010/main" val="1020793326"/>
+        <p14:creationId xmlns:p14="http://schemas.microsoft.com/office/powerpoint/2010/main" val="2615091925"/>
       </p:ext>
     </p:extLst>
   </p:cSld>
@@ -1861,7 +1878,7 @@
           <a:lstStyle/>
           <a:p>
             <a:r>
-              <a:rPr lang="de-CH" smtClean="0"/>
+              <a:rPr lang="de-DE" smtClean="0"/>
               <a:t>13.04.2015</a:t>
             </a:r>
             <a:endParaRPr lang="de-CH"/>
@@ -1885,7 +1902,7 @@
           <a:p>
             <a:r>
               <a:rPr lang="en-US" smtClean="0"/>
-              <a:t>TSM_MobOp Augmented City Finder: Nils Frey, Lucas Graf, Thomas Strebel</a:t>
+              <a:t>ACF: Nils Frey, Lucas Graf and Thomas Strebel</a:t>
             </a:r>
             <a:endParaRPr lang="de-CH"/>
           </a:p>
@@ -1906,7 +1923,7 @@
           <a:bodyPr/>
           <a:lstStyle/>
           <a:p>
-            <a:fld id="{0FC02E39-DF30-4134-BCDF-AD4758630250}" type="slidenum">
+            <a:fld id="{38534A16-F4EA-42C1-9196-9164AB5EF764}" type="slidenum">
               <a:rPr lang="de-CH" smtClean="0"/>
               <a:t>‹#›</a:t>
             </a:fld>
@@ -1955,7 +1972,7 @@
     </p:spTree>
     <p:extLst>
       <p:ext uri="{BB962C8B-B14F-4D97-AF65-F5344CB8AC3E}">
-        <p14:creationId xmlns:p14="http://schemas.microsoft.com/office/powerpoint/2010/main" val="611609488"/>
+        <p14:creationId xmlns:p14="http://schemas.microsoft.com/office/powerpoint/2010/main" val="3838034327"/>
       </p:ext>
     </p:extLst>
   </p:cSld>
@@ -2140,7 +2157,7 @@
           <a:lstStyle/>
           <a:p>
             <a:r>
-              <a:rPr lang="de-CH" smtClean="0"/>
+              <a:rPr lang="de-DE" smtClean="0"/>
               <a:t>13.04.2015</a:t>
             </a:r>
             <a:endParaRPr lang="de-CH"/>
@@ -2164,7 +2181,7 @@
           <a:p>
             <a:r>
               <a:rPr lang="en-US" smtClean="0"/>
-              <a:t>TSM_MobOp Augmented City Finder: Nils Frey, Lucas Graf, Thomas Strebel</a:t>
+              <a:t>ACF: Nils Frey, Lucas Graf and Thomas Strebel</a:t>
             </a:r>
             <a:endParaRPr lang="de-CH"/>
           </a:p>
@@ -2185,7 +2202,7 @@
           <a:bodyPr/>
           <a:lstStyle/>
           <a:p>
-            <a:fld id="{0FC02E39-DF30-4134-BCDF-AD4758630250}" type="slidenum">
+            <a:fld id="{38534A16-F4EA-42C1-9196-9164AB5EF764}" type="slidenum">
               <a:rPr lang="de-CH" smtClean="0"/>
               <a:t>‹#›</a:t>
             </a:fld>
@@ -2196,7 +2213,7 @@
     </p:spTree>
     <p:extLst>
       <p:ext uri="{BB962C8B-B14F-4D97-AF65-F5344CB8AC3E}">
-        <p14:creationId xmlns:p14="http://schemas.microsoft.com/office/powerpoint/2010/main" val="3502470146"/>
+        <p14:creationId xmlns:p14="http://schemas.microsoft.com/office/powerpoint/2010/main" val="3172590350"/>
       </p:ext>
     </p:extLst>
   </p:cSld>
@@ -2523,7 +2540,7 @@
           <a:lstStyle/>
           <a:p>
             <a:r>
-              <a:rPr lang="de-CH" smtClean="0"/>
+              <a:rPr lang="de-DE" smtClean="0"/>
               <a:t>13.04.2015</a:t>
             </a:r>
             <a:endParaRPr lang="de-CH"/>
@@ -2547,7 +2564,7 @@
           <a:p>
             <a:r>
               <a:rPr lang="en-US" smtClean="0"/>
-              <a:t>TSM_MobOp Augmented City Finder: Nils Frey, Lucas Graf, Thomas Strebel</a:t>
+              <a:t>ACF: Nils Frey, Lucas Graf and Thomas Strebel</a:t>
             </a:r>
             <a:endParaRPr lang="de-CH"/>
           </a:p>
@@ -2568,7 +2585,7 @@
           <a:bodyPr/>
           <a:lstStyle/>
           <a:p>
-            <a:fld id="{0FC02E39-DF30-4134-BCDF-AD4758630250}" type="slidenum">
+            <a:fld id="{38534A16-F4EA-42C1-9196-9164AB5EF764}" type="slidenum">
               <a:rPr lang="de-CH" smtClean="0"/>
               <a:t>‹#›</a:t>
             </a:fld>
@@ -2579,7 +2596,7 @@
     </p:spTree>
     <p:extLst>
       <p:ext uri="{BB962C8B-B14F-4D97-AF65-F5344CB8AC3E}">
-        <p14:creationId xmlns:p14="http://schemas.microsoft.com/office/powerpoint/2010/main" val="1550408540"/>
+        <p14:creationId xmlns:p14="http://schemas.microsoft.com/office/powerpoint/2010/main" val="1814913960"/>
       </p:ext>
     </p:extLst>
   </p:cSld>
@@ -2645,7 +2662,7 @@
           <a:lstStyle/>
           <a:p>
             <a:r>
-              <a:rPr lang="de-CH" smtClean="0"/>
+              <a:rPr lang="de-DE" smtClean="0"/>
               <a:t>13.04.2015</a:t>
             </a:r>
             <a:endParaRPr lang="de-CH"/>
@@ -2669,7 +2686,7 @@
           <a:p>
             <a:r>
               <a:rPr lang="en-US" smtClean="0"/>
-              <a:t>TSM_MobOp Augmented City Finder: Nils Frey, Lucas Graf, Thomas Strebel</a:t>
+              <a:t>ACF: Nils Frey, Lucas Graf and Thomas Strebel</a:t>
             </a:r>
             <a:endParaRPr lang="de-CH"/>
           </a:p>
@@ -2690,7 +2707,7 @@
           <a:bodyPr/>
           <a:lstStyle/>
           <a:p>
-            <a:fld id="{0FC02E39-DF30-4134-BCDF-AD4758630250}" type="slidenum">
+            <a:fld id="{38534A16-F4EA-42C1-9196-9164AB5EF764}" type="slidenum">
               <a:rPr lang="de-CH" smtClean="0"/>
               <a:t>‹#›</a:t>
             </a:fld>
@@ -2701,7 +2718,7 @@
     </p:spTree>
     <p:extLst>
       <p:ext uri="{BB962C8B-B14F-4D97-AF65-F5344CB8AC3E}">
-        <p14:creationId xmlns:p14="http://schemas.microsoft.com/office/powerpoint/2010/main" val="2112174558"/>
+        <p14:creationId xmlns:p14="http://schemas.microsoft.com/office/powerpoint/2010/main" val="1857687585"/>
       </p:ext>
     </p:extLst>
   </p:cSld>
@@ -2820,7 +2837,7 @@
           <a:lstStyle/>
           <a:p>
             <a:r>
-              <a:rPr lang="de-CH" smtClean="0"/>
+              <a:rPr lang="de-DE" smtClean="0"/>
               <a:t>13.04.2015</a:t>
             </a:r>
             <a:endParaRPr lang="de-CH"/>
@@ -2852,7 +2869,7 @@
           <a:p>
             <a:r>
               <a:rPr lang="en-US" smtClean="0"/>
-              <a:t>TSM_MobOp Augmented City Finder: Nils Frey, Lucas Graf, Thomas Strebel</a:t>
+              <a:t>ACF: Nils Frey, Lucas Graf and Thomas Strebel</a:t>
             </a:r>
             <a:endParaRPr lang="de-CH"/>
           </a:p>
@@ -2873,7 +2890,7 @@
           <a:bodyPr/>
           <a:lstStyle/>
           <a:p>
-            <a:fld id="{0FC02E39-DF30-4134-BCDF-AD4758630250}" type="slidenum">
+            <a:fld id="{38534A16-F4EA-42C1-9196-9164AB5EF764}" type="slidenum">
               <a:rPr lang="de-CH" smtClean="0"/>
               <a:t>‹#›</a:t>
             </a:fld>
@@ -2884,7 +2901,7 @@
     </p:spTree>
     <p:extLst>
       <p:ext uri="{BB962C8B-B14F-4D97-AF65-F5344CB8AC3E}">
-        <p14:creationId xmlns:p14="http://schemas.microsoft.com/office/powerpoint/2010/main" val="2008748105"/>
+        <p14:creationId xmlns:p14="http://schemas.microsoft.com/office/powerpoint/2010/main" val="130109091"/>
       </p:ext>
     </p:extLst>
   </p:cSld>
@@ -3178,7 +3195,7 @@
           </a:lstStyle>
           <a:p>
             <a:r>
-              <a:rPr lang="de-CH" smtClean="0"/>
+              <a:rPr lang="de-DE" smtClean="0"/>
               <a:t>13.04.2015</a:t>
             </a:r>
             <a:endParaRPr lang="de-CH"/>
@@ -3215,7 +3232,7 @@
           <a:p>
             <a:r>
               <a:rPr lang="en-US" smtClean="0"/>
-              <a:t>TSM_MobOp Augmented City Finder: Nils Frey, Lucas Graf, Thomas Strebel</a:t>
+              <a:t>ACF: Nils Frey, Lucas Graf and Thomas Strebel</a:t>
             </a:r>
             <a:endParaRPr lang="de-CH"/>
           </a:p>
@@ -3244,7 +3261,7 @@
             </a:lvl1pPr>
           </a:lstStyle>
           <a:p>
-            <a:fld id="{0FC02E39-DF30-4134-BCDF-AD4758630250}" type="slidenum">
+            <a:fld id="{38534A16-F4EA-42C1-9196-9164AB5EF764}" type="slidenum">
               <a:rPr lang="de-CH" smtClean="0"/>
               <a:t>‹#›</a:t>
             </a:fld>
@@ -3255,7 +3272,7 @@
     </p:spTree>
     <p:extLst>
       <p:ext uri="{BB962C8B-B14F-4D97-AF65-F5344CB8AC3E}">
-        <p14:creationId xmlns:p14="http://schemas.microsoft.com/office/powerpoint/2010/main" val="2513861888"/>
+        <p14:creationId xmlns:p14="http://schemas.microsoft.com/office/powerpoint/2010/main" val="523431187"/>
       </p:ext>
     </p:extLst>
   </p:cSld>
@@ -3411,9 +3428,12 @@
             <a:off x="15" y="0"/>
             <a:ext cx="12191985" cy="4915076"/>
           </a:xfrm>
-          <a:solidFill>
-            <a:schemeClr val="accent3"/>
-          </a:solidFill>
+          <a:blipFill>
+            <a:blip r:embed="rId2"/>
+            <a:stretch>
+              <a:fillRect/>
+            </a:stretch>
+          </a:blipFill>
         </p:spPr>
         <p:txBody>
           <a:bodyPr lIns="457200" tIns="457200" anchor="t"/>
@@ -3561,7 +3581,7 @@
           <a:lstStyle/>
           <a:p>
             <a:r>
-              <a:rPr lang="de-CH" smtClean="0"/>
+              <a:rPr lang="de-DE" smtClean="0"/>
               <a:t>13.04.2015</a:t>
             </a:r>
             <a:endParaRPr lang="de-CH"/>
@@ -3585,7 +3605,7 @@
           <a:p>
             <a:r>
               <a:rPr lang="en-US" smtClean="0"/>
-              <a:t>TSM_MobOp Augmented City Finder: Nils Frey, Lucas Graf, Thomas Strebel</a:t>
+              <a:t>ACF: Nils Frey, Lucas Graf and Thomas Strebel</a:t>
             </a:r>
             <a:endParaRPr lang="de-CH"/>
           </a:p>
@@ -3606,7 +3626,7 @@
           <a:bodyPr/>
           <a:lstStyle/>
           <a:p>
-            <a:fld id="{0FC02E39-DF30-4134-BCDF-AD4758630250}" type="slidenum">
+            <a:fld id="{38534A16-F4EA-42C1-9196-9164AB5EF764}" type="slidenum">
               <a:rPr lang="de-CH" smtClean="0"/>
               <a:t>‹#›</a:t>
             </a:fld>
@@ -3617,7 +3637,7 @@
     </p:spTree>
     <p:extLst>
       <p:ext uri="{BB962C8B-B14F-4D97-AF65-F5344CB8AC3E}">
-        <p14:creationId xmlns:p14="http://schemas.microsoft.com/office/powerpoint/2010/main" val="776259436"/>
+        <p14:creationId xmlns:p14="http://schemas.microsoft.com/office/powerpoint/2010/main" val="3419171624"/>
       </p:ext>
     </p:extLst>
   </p:cSld>
@@ -3852,7 +3872,7 @@
           </a:lstStyle>
           <a:p>
             <a:r>
-              <a:rPr lang="de-CH" smtClean="0"/>
+              <a:rPr lang="de-DE" smtClean="0"/>
               <a:t>13.04.2015</a:t>
             </a:r>
             <a:endParaRPr lang="de-CH"/>
@@ -3892,7 +3912,7 @@
           <a:p>
             <a:r>
               <a:rPr lang="en-US" smtClean="0"/>
-              <a:t>TSM_MobOp Augmented City Finder: Nils Frey, Lucas Graf, Thomas Strebel</a:t>
+              <a:t>ACF: Nils Frey, Lucas Graf and Thomas Strebel</a:t>
             </a:r>
             <a:endParaRPr lang="de-CH"/>
           </a:p>
@@ -3929,7 +3949,7 @@
             </a:lvl1pPr>
           </a:lstStyle>
           <a:p>
-            <a:fld id="{0FC02E39-DF30-4134-BCDF-AD4758630250}" type="slidenum">
+            <a:fld id="{38534A16-F4EA-42C1-9196-9164AB5EF764}" type="slidenum">
               <a:rPr lang="de-CH" smtClean="0"/>
               <a:t>‹#›</a:t>
             </a:fld>
@@ -3978,7 +3998,7 @@
     </p:spTree>
     <p:extLst>
       <p:ext uri="{BB962C8B-B14F-4D97-AF65-F5344CB8AC3E}">
-        <p14:creationId xmlns:p14="http://schemas.microsoft.com/office/powerpoint/2010/main" val="2575846855"/>
+        <p14:creationId xmlns:p14="http://schemas.microsoft.com/office/powerpoint/2010/main" val="206689878"/>
       </p:ext>
     </p:extLst>
   </p:cSld>
@@ -4031,6 +4051,9 @@
         <a:spcAft>
           <a:spcPts val="200"/>
         </a:spcAft>
+        <a:buClr>
+          <a:schemeClr val="accent1"/>
+        </a:buClr>
         <a:buSzPct val="100000"/>
         <a:buFont typeface="Calibri" panose="020F0502020204030204" pitchFamily="34" charset="0"/>
         <a:buChar char=" "/>
@@ -4391,7 +4414,9 @@
         </p:nvSpPr>
         <p:spPr/>
         <p:txBody>
-          <a:bodyPr/>
+          <a:bodyPr>
+            <a:normAutofit/>
+          </a:bodyPr>
           <a:lstStyle/>
           <a:p>
             <a:r>
@@ -4399,8 +4424,12 @@
               <a:t>TSM_MobOp</a:t>
             </a:r>
             <a:r>
+              <a:rPr lang="de-CH" b="1" dirty="0"/>
+              <a:t> </a:t>
+            </a:r>
+            <a:r>
               <a:rPr lang="de-CH" b="1" dirty="0" smtClean="0"/>
-              <a:t> Mini Project</a:t>
+              <a:t>Mini Project</a:t>
             </a:r>
             <a:r>
               <a:rPr lang="de-CH" dirty="0" smtClean="0"/>
@@ -4434,22 +4463,18 @@
         <p:spPr>
           <a:xfrm>
             <a:off x="1100051" y="4455620"/>
-            <a:ext cx="10058400" cy="1665780"/>
+            <a:ext cx="10058400" cy="1526080"/>
           </a:xfrm>
         </p:spPr>
         <p:txBody>
           <a:bodyPr>
-            <a:normAutofit/>
+            <a:normAutofit lnSpcReduction="10000"/>
           </a:bodyPr>
           <a:lstStyle/>
           <a:p>
             <a:r>
-              <a:rPr lang="de-CH" dirty="0"/>
-              <a:t>Nils </a:t>
-            </a:r>
-            <a:r>
-              <a:rPr lang="de-CH" dirty="0" smtClean="0"/>
-              <a:t>Frey</a:t>
+              <a:rPr lang="de-CH" dirty="0" smtClean="0"/>
+              <a:t>Nils Frey</a:t>
             </a:r>
             <a:br>
               <a:rPr lang="de-CH" dirty="0" smtClean="0"/>
@@ -4465,18 +4490,20 @@
               <a:rPr lang="de-CH" dirty="0" smtClean="0"/>
               <a:t>Thomas Strebel</a:t>
             </a:r>
+            <a:endParaRPr lang="de-CH" dirty="0" smtClean="0"/>
           </a:p>
           <a:p>
             <a:r>
               <a:rPr lang="de-CH" dirty="0" smtClean="0"/>
               <a:t>13.04.2015</a:t>
             </a:r>
+            <a:endParaRPr lang="de-CH" dirty="0" smtClean="0"/>
           </a:p>
         </p:txBody>
       </p:sp>
       <p:pic>
         <p:nvPicPr>
-          <p:cNvPr id="4" name="Picture 2" descr="MSE"/>
+          <p:cNvPr id="1026" name="Picture 2" descr="MSE"/>
           <p:cNvPicPr>
             <a:picLocks noChangeAspect="1" noChangeArrowheads="1"/>
           </p:cNvPicPr>
@@ -4518,7 +4545,7 @@
     </p:spTree>
     <p:extLst>
       <p:ext uri="{BB962C8B-B14F-4D97-AF65-F5344CB8AC3E}">
-        <p14:creationId xmlns:p14="http://schemas.microsoft.com/office/powerpoint/2010/main" val="3640028998"/>
+        <p14:creationId xmlns:p14="http://schemas.microsoft.com/office/powerpoint/2010/main" val="1049875981"/>
       </p:ext>
     </p:extLst>
   </p:cSld>
@@ -4568,15 +4595,15 @@
           <a:lstStyle/>
           <a:p>
             <a:r>
-              <a:rPr lang="de-CH" dirty="0" err="1" smtClean="0"/>
+              <a:rPr lang="de-CH" dirty="0" err="1"/>
               <a:t>Lessons</a:t>
             </a:r>
             <a:r>
-              <a:rPr lang="de-CH" dirty="0" smtClean="0"/>
-              <a:t> </a:t>
-            </a:r>
-            <a:r>
-              <a:rPr lang="de-CH" dirty="0" err="1" smtClean="0"/>
+              <a:rPr lang="de-CH" dirty="0"/>
+              <a:t> </a:t>
+            </a:r>
+            <a:r>
+              <a:rPr lang="de-CH" dirty="0" err="1"/>
               <a:t>learnt</a:t>
             </a:r>
             <a:endParaRPr lang="de-CH" dirty="0"/>
@@ -4598,18 +4625,184 @@
           <a:bodyPr/>
           <a:lstStyle/>
           <a:p>
+            <a:pPr>
+              <a:buFont typeface="Arial" panose="020B0604020202020204" pitchFamily="34" charset="0"/>
+              <a:buChar char="•"/>
+            </a:pPr>
+            <a:r>
+              <a:rPr lang="de-CH" dirty="0"/>
+              <a:t>  </a:t>
+            </a:r>
+            <a:r>
+              <a:rPr lang="de-CH" dirty="0" err="1"/>
+              <a:t>Serverside</a:t>
+            </a:r>
+            <a:endParaRPr lang="de-CH" dirty="0"/>
+          </a:p>
+          <a:p>
+            <a:pPr lvl="1">
+              <a:buFont typeface="Arial" panose="020B0604020202020204" pitchFamily="34" charset="0"/>
+              <a:buChar char="•"/>
+            </a:pPr>
+            <a:r>
+              <a:rPr lang="de-CH" dirty="0" err="1"/>
+              <a:t>JBoss</a:t>
+            </a:r>
+            <a:r>
+              <a:rPr lang="de-CH" dirty="0"/>
+              <a:t> </a:t>
+            </a:r>
+            <a:r>
+              <a:rPr lang="de-CH" dirty="0" err="1"/>
+              <a:t>Application</a:t>
+            </a:r>
+            <a:r>
+              <a:rPr lang="de-CH" dirty="0"/>
+              <a:t> Server 7</a:t>
+            </a:r>
+          </a:p>
+          <a:p>
+            <a:pPr lvl="1">
+              <a:buFont typeface="Arial" panose="020B0604020202020204" pitchFamily="34" charset="0"/>
+              <a:buChar char="•"/>
+            </a:pPr>
+            <a:r>
+              <a:rPr lang="de-CH" dirty="0" err="1"/>
+              <a:t>PostgreSQL</a:t>
+            </a:r>
+            <a:r>
+              <a:rPr lang="de-CH" dirty="0"/>
+              <a:t> 9.2</a:t>
+            </a:r>
+          </a:p>
+          <a:p>
+            <a:pPr lvl="1">
+              <a:buFont typeface="Arial" panose="020B0604020202020204" pitchFamily="34" charset="0"/>
+              <a:buChar char="•"/>
+            </a:pPr>
+            <a:r>
+              <a:rPr lang="de-CH" dirty="0"/>
+              <a:t>Sun Jersey (Java API </a:t>
+            </a:r>
+            <a:r>
+              <a:rPr lang="de-CH" dirty="0" err="1"/>
+              <a:t>for</a:t>
+            </a:r>
+            <a:r>
+              <a:rPr lang="de-CH" dirty="0"/>
+              <a:t> </a:t>
+            </a:r>
+            <a:r>
+              <a:rPr lang="de-CH" dirty="0" err="1"/>
+              <a:t>RESTful</a:t>
+            </a:r>
+            <a:r>
+              <a:rPr lang="de-CH" dirty="0"/>
+              <a:t> Webservices)</a:t>
+            </a:r>
+          </a:p>
+          <a:p>
+            <a:pPr>
+              <a:buFont typeface="Arial" panose="020B0604020202020204" pitchFamily="34" charset="0"/>
+              <a:buChar char="•"/>
+            </a:pPr>
+            <a:r>
+              <a:rPr lang="de-CH" dirty="0"/>
+              <a:t>Android</a:t>
+            </a:r>
+          </a:p>
+          <a:p>
+            <a:pPr lvl="1">
+              <a:buFont typeface="Arial" panose="020B0604020202020204" pitchFamily="34" charset="0"/>
+              <a:buChar char="•"/>
+            </a:pPr>
+            <a:r>
+              <a:rPr lang="de-CH" dirty="0" smtClean="0"/>
+              <a:t>First Android App</a:t>
+            </a:r>
+          </a:p>
+          <a:p>
+            <a:pPr lvl="1">
+              <a:buFont typeface="Arial" panose="020B0604020202020204" pitchFamily="34" charset="0"/>
+              <a:buChar char="•"/>
+            </a:pPr>
+            <a:r>
+              <a:rPr lang="de-CH" dirty="0" err="1" smtClean="0"/>
+              <a:t>SQLite</a:t>
+            </a:r>
+            <a:endParaRPr lang="de-CH" dirty="0"/>
+          </a:p>
+          <a:p>
+            <a:pPr lvl="1">
+              <a:buFont typeface="Arial" panose="020B0604020202020204" pitchFamily="34" charset="0"/>
+              <a:buChar char="•"/>
+            </a:pPr>
+            <a:r>
+              <a:rPr lang="de-CH" dirty="0" err="1" smtClean="0"/>
+              <a:t>Gson</a:t>
+            </a:r>
+            <a:r>
+              <a:rPr lang="de-CH" dirty="0"/>
+              <a:t> </a:t>
+            </a:r>
+            <a:r>
+              <a:rPr lang="de-CH" dirty="0" smtClean="0"/>
+              <a:t>(Server </a:t>
+            </a:r>
+            <a:r>
+              <a:rPr lang="de-CH" dirty="0" err="1" smtClean="0"/>
+              <a:t>communication</a:t>
+            </a:r>
+            <a:r>
+              <a:rPr lang="de-CH" dirty="0" smtClean="0"/>
+              <a:t>)</a:t>
+            </a:r>
+            <a:endParaRPr lang="de-CH" dirty="0"/>
+          </a:p>
+          <a:p>
+            <a:pPr lvl="1">
+              <a:buFont typeface="Arial" panose="020B0604020202020204" pitchFamily="34" charset="0"/>
+              <a:buChar char="•"/>
+            </a:pPr>
+            <a:r>
+              <a:rPr lang="de-CH" dirty="0"/>
+              <a:t>TO BE DONE!!!!!</a:t>
+            </a:r>
+            <a:endParaRPr lang="de-CH" dirty="0"/>
+          </a:p>
+        </p:txBody>
+      </p:sp>
+      <p:sp>
+        <p:nvSpPr>
+          <p:cNvPr id="4" name="Date Placeholder 3"/>
+          <p:cNvSpPr>
+            <a:spLocks noGrp="1"/>
+          </p:cNvSpPr>
+          <p:nvPr>
+            <p:ph type="dt" sz="half" idx="10"/>
+          </p:nvPr>
+        </p:nvSpPr>
+        <p:spPr/>
+        <p:txBody>
+          <a:bodyPr/>
+          <a:lstStyle/>
+          <a:p>
+            <a:r>
+              <a:rPr lang="de-DE" smtClean="0"/>
+              <a:t>13.04.2015</a:t>
+            </a:r>
             <a:endParaRPr lang="de-CH"/>
           </a:p>
         </p:txBody>
       </p:sp>
       <p:sp>
         <p:nvSpPr>
-          <p:cNvPr id="4" name="Date Placeholder 3"/>
-          <p:cNvSpPr>
-            <a:spLocks noGrp="1"/>
-          </p:cNvSpPr>
-          <p:nvPr>
-            <p:ph type="dt" sz="half" idx="10"/>
+          <p:cNvPr id="5" name="Footer Placeholder 4"/>
+          <p:cNvSpPr>
+            <a:spLocks noGrp="1"/>
+          </p:cNvSpPr>
+          <p:nvPr>
+            <p:ph type="ftr" sz="quarter" idx="11"/>
           </p:nvPr>
         </p:nvSpPr>
         <p:spPr/>
@@ -4618,8 +4811,8 @@
           <a:lstStyle/>
           <a:p>
             <a:r>
-              <a:rPr lang="de-CH" smtClean="0"/>
-              <a:t>13.04.2015</a:t>
+              <a:rPr lang="en-US" smtClean="0"/>
+              <a:t>ACF: Nils Frey, Lucas Graf and Thomas Strebel</a:t>
             </a:r>
             <a:endParaRPr lang="de-CH"/>
           </a:p>
@@ -4627,12 +4820,12 @@
       </p:sp>
       <p:sp>
         <p:nvSpPr>
-          <p:cNvPr id="5" name="Footer Placeholder 4"/>
-          <p:cNvSpPr>
-            <a:spLocks noGrp="1"/>
-          </p:cNvSpPr>
-          <p:nvPr>
-            <p:ph type="ftr" sz="quarter" idx="11"/>
+          <p:cNvPr id="6" name="Slide Number Placeholder 5"/>
+          <p:cNvSpPr>
+            <a:spLocks noGrp="1"/>
+          </p:cNvSpPr>
+          <p:nvPr>
+            <p:ph type="sldNum" sz="quarter" idx="12"/>
           </p:nvPr>
         </p:nvSpPr>
         <p:spPr/>
@@ -4640,30 +4833,7 @@
           <a:bodyPr/>
           <a:lstStyle/>
           <a:p>
-            <a:r>
-              <a:rPr lang="en-US" smtClean="0"/>
-              <a:t>TSM_MobOp Augmented City Finder: Nils Frey, Lucas Graf, Thomas Strebel</a:t>
-            </a:r>
-            <a:endParaRPr lang="de-CH"/>
-          </a:p>
-        </p:txBody>
-      </p:sp>
-      <p:sp>
-        <p:nvSpPr>
-          <p:cNvPr id="6" name="Slide Number Placeholder 5"/>
-          <p:cNvSpPr>
-            <a:spLocks noGrp="1"/>
-          </p:cNvSpPr>
-          <p:nvPr>
-            <p:ph type="sldNum" sz="quarter" idx="12"/>
-          </p:nvPr>
-        </p:nvSpPr>
-        <p:spPr/>
-        <p:txBody>
-          <a:bodyPr/>
-          <a:lstStyle/>
-          <a:p>
-            <a:fld id="{0FC02E39-DF30-4134-BCDF-AD4758630250}" type="slidenum">
+            <a:fld id="{38534A16-F4EA-42C1-9196-9164AB5EF764}" type="slidenum">
               <a:rPr lang="de-CH" smtClean="0"/>
               <a:t>10</a:t>
             </a:fld>
@@ -4674,20 +4844,13 @@
     </p:spTree>
     <p:extLst>
       <p:ext uri="{BB962C8B-B14F-4D97-AF65-F5344CB8AC3E}">
-        <p14:creationId xmlns:p14="http://schemas.microsoft.com/office/powerpoint/2010/main" val="739333451"/>
+        <p14:creationId xmlns:p14="http://schemas.microsoft.com/office/powerpoint/2010/main" val="1512596329"/>
       </p:ext>
     </p:extLst>
   </p:cSld>
   <p:clrMapOvr>
     <a:masterClrMapping/>
   </p:clrMapOvr>
-  <p:timing>
-    <p:tnLst>
-      <p:par>
-        <p:cTn id="1" dur="indefinite" restart="never" nodeType="tmRoot"/>
-      </p:par>
-    </p:tnLst>
-  </p:timing>
 </p:sld>
 </file>
 
@@ -4724,21 +4887,532 @@
           <a:lstStyle/>
           <a:p>
             <a:r>
-              <a:rPr lang="de-CH" dirty="0" smtClean="0"/>
+              <a:rPr lang="de-CH" dirty="0"/>
               <a:t>Future Work</a:t>
             </a:r>
+          </a:p>
+        </p:txBody>
+      </p:sp>
+      <p:sp>
+        <p:nvSpPr>
+          <p:cNvPr id="3" name="Content Placeholder 2"/>
+          <p:cNvSpPr>
+            <a:spLocks noGrp="1"/>
+          </p:cNvSpPr>
+          <p:nvPr>
+            <p:ph idx="1"/>
+          </p:nvPr>
+        </p:nvSpPr>
+        <p:spPr/>
+        <p:txBody>
+          <a:bodyPr>
+            <a:normAutofit lnSpcReduction="10000"/>
+          </a:bodyPr>
+          <a:lstStyle/>
+          <a:p>
+            <a:pPr>
+              <a:buFont typeface="Arial" panose="020B0604020202020204" pitchFamily="34" charset="0"/>
+              <a:buChar char="•"/>
+            </a:pPr>
+            <a:r>
+              <a:rPr lang="de-CH" dirty="0" smtClean="0"/>
+              <a:t> </a:t>
+            </a:r>
+            <a:r>
+              <a:rPr lang="de-CH" dirty="0" err="1" smtClean="0"/>
+              <a:t>Offer</a:t>
+            </a:r>
+            <a:r>
+              <a:rPr lang="de-CH" dirty="0" smtClean="0"/>
+              <a:t> different </a:t>
+            </a:r>
+            <a:r>
+              <a:rPr lang="de-CH" dirty="0" err="1" smtClean="0"/>
+              <a:t>information</a:t>
+            </a:r>
+            <a:r>
+              <a:rPr lang="de-CH" dirty="0" smtClean="0"/>
+              <a:t> </a:t>
+            </a:r>
+            <a:r>
+              <a:rPr lang="de-CH" dirty="0" err="1" smtClean="0"/>
+              <a:t>to</a:t>
+            </a:r>
+            <a:r>
+              <a:rPr lang="de-CH" dirty="0" smtClean="0"/>
+              <a:t> </a:t>
+            </a:r>
+            <a:r>
+              <a:rPr lang="de-CH" dirty="0" err="1" smtClean="0"/>
+              <a:t>display</a:t>
+            </a:r>
+            <a:r>
+              <a:rPr lang="de-CH" dirty="0" smtClean="0"/>
+              <a:t> </a:t>
+            </a:r>
+            <a:r>
+              <a:rPr lang="de-CH" dirty="0" err="1" smtClean="0"/>
+              <a:t>and</a:t>
+            </a:r>
+            <a:r>
+              <a:rPr lang="de-CH" dirty="0" smtClean="0"/>
+              <a:t> </a:t>
+            </a:r>
+            <a:r>
+              <a:rPr lang="de-CH" dirty="0" err="1" smtClean="0"/>
+              <a:t>let</a:t>
+            </a:r>
+            <a:r>
+              <a:rPr lang="de-CH" dirty="0" smtClean="0"/>
+              <a:t> </a:t>
+            </a:r>
+            <a:r>
+              <a:rPr lang="de-CH" dirty="0" err="1" smtClean="0"/>
+              <a:t>user</a:t>
+            </a:r>
+            <a:r>
+              <a:rPr lang="de-CH" dirty="0" smtClean="0"/>
+              <a:t> </a:t>
+            </a:r>
+            <a:r>
+              <a:rPr lang="de-CH" dirty="0" err="1" smtClean="0"/>
+              <a:t>choose</a:t>
+            </a:r>
+            <a:r>
+              <a:rPr lang="de-CH" dirty="0"/>
+              <a:t> </a:t>
+            </a:r>
+            <a:r>
+              <a:rPr lang="de-CH" dirty="0" err="1" smtClean="0"/>
+              <a:t>which</a:t>
+            </a:r>
+            <a:r>
+              <a:rPr lang="de-CH" dirty="0" smtClean="0"/>
+              <a:t> </a:t>
+            </a:r>
+            <a:r>
+              <a:rPr lang="de-CH" dirty="0" err="1" smtClean="0"/>
+              <a:t>to</a:t>
+            </a:r>
+            <a:r>
+              <a:rPr lang="de-CH" dirty="0" smtClean="0"/>
+              <a:t> </a:t>
+            </a:r>
+            <a:r>
+              <a:rPr lang="de-CH" dirty="0" err="1" smtClean="0"/>
+              <a:t>display</a:t>
+            </a:r>
+            <a:endParaRPr lang="de-CH" dirty="0" smtClean="0"/>
+          </a:p>
+          <a:p>
+            <a:pPr lvl="1">
+              <a:buFont typeface="Arial" panose="020B0604020202020204" pitchFamily="34" charset="0"/>
+              <a:buChar char="•"/>
+            </a:pPr>
+            <a:r>
+              <a:rPr lang="de-CH" dirty="0" err="1" smtClean="0"/>
+              <a:t>Weather</a:t>
+            </a:r>
             <a:endParaRPr lang="de-CH" dirty="0"/>
           </a:p>
-        </p:txBody>
-      </p:sp>
-      <p:sp>
-        <p:nvSpPr>
-          <p:cNvPr id="3" name="Content Placeholder 2"/>
-          <p:cNvSpPr>
-            <a:spLocks noGrp="1"/>
-          </p:cNvSpPr>
-          <p:nvPr>
-            <p:ph idx="1"/>
+          <a:p>
+            <a:pPr lvl="1">
+              <a:buFont typeface="Arial" panose="020B0604020202020204" pitchFamily="34" charset="0"/>
+              <a:buChar char="•"/>
+            </a:pPr>
+            <a:r>
+              <a:rPr lang="de-CH" dirty="0" err="1" smtClean="0"/>
+              <a:t>Sights</a:t>
+            </a:r>
+            <a:endParaRPr lang="de-CH" dirty="0" smtClean="0"/>
+          </a:p>
+          <a:p>
+            <a:pPr lvl="1">
+              <a:buFont typeface="Arial" panose="020B0604020202020204" pitchFamily="34" charset="0"/>
+              <a:buChar char="•"/>
+            </a:pPr>
+            <a:r>
+              <a:rPr lang="de-CH" dirty="0" smtClean="0"/>
+              <a:t>Restaurants</a:t>
+            </a:r>
+          </a:p>
+          <a:p>
+            <a:pPr lvl="1">
+              <a:buFont typeface="Arial" panose="020B0604020202020204" pitchFamily="34" charset="0"/>
+              <a:buChar char="•"/>
+            </a:pPr>
+            <a:r>
+              <a:rPr lang="de-CH" dirty="0" smtClean="0"/>
+              <a:t>…</a:t>
+            </a:r>
+          </a:p>
+          <a:p>
+            <a:pPr>
+              <a:buFont typeface="Arial" panose="020B0604020202020204" pitchFamily="34" charset="0"/>
+              <a:buChar char="•"/>
+            </a:pPr>
+            <a:r>
+              <a:rPr lang="de-CH" dirty="0"/>
+              <a:t> </a:t>
+            </a:r>
+            <a:r>
+              <a:rPr lang="de-CH" dirty="0" err="1" smtClean="0"/>
+              <a:t>Evaluate</a:t>
+            </a:r>
+            <a:r>
+              <a:rPr lang="de-CH" dirty="0" smtClean="0"/>
+              <a:t> </a:t>
+            </a:r>
+            <a:r>
+              <a:rPr lang="de-CH" dirty="0" err="1" smtClean="0"/>
+              <a:t>user</a:t>
+            </a:r>
+            <a:r>
+              <a:rPr lang="de-CH" dirty="0" smtClean="0"/>
+              <a:t> </a:t>
+            </a:r>
+            <a:r>
+              <a:rPr lang="de-CH" dirty="0" err="1" smtClean="0"/>
+              <a:t>behaviour</a:t>
+            </a:r>
+            <a:r>
+              <a:rPr lang="de-CH" dirty="0" smtClean="0"/>
+              <a:t> on </a:t>
+            </a:r>
+            <a:r>
+              <a:rPr lang="de-CH" dirty="0" err="1" smtClean="0"/>
+              <a:t>server</a:t>
+            </a:r>
+            <a:endParaRPr lang="de-CH" dirty="0" smtClean="0"/>
+          </a:p>
+          <a:p>
+            <a:pPr>
+              <a:buFont typeface="Arial" panose="020B0604020202020204" pitchFamily="34" charset="0"/>
+              <a:buChar char="•"/>
+            </a:pPr>
+            <a:r>
+              <a:rPr lang="de-CH" dirty="0" smtClean="0"/>
+              <a:t> Display </a:t>
+            </a:r>
+            <a:r>
+              <a:rPr lang="de-CH" dirty="0" err="1" smtClean="0"/>
+              <a:t>specific</a:t>
+            </a:r>
+            <a:r>
+              <a:rPr lang="de-CH" dirty="0" smtClean="0"/>
+              <a:t> </a:t>
+            </a:r>
+            <a:r>
+              <a:rPr lang="de-CH" dirty="0" err="1" smtClean="0"/>
+              <a:t>advertisement</a:t>
+            </a:r>
+            <a:r>
+              <a:rPr lang="de-CH" dirty="0" smtClean="0"/>
+              <a:t> </a:t>
+            </a:r>
+            <a:r>
+              <a:rPr lang="de-CH" dirty="0"/>
+              <a:t>(e.g. </a:t>
+            </a:r>
+            <a:r>
+              <a:rPr lang="de-CH" dirty="0" err="1" smtClean="0"/>
+              <a:t>hotel</a:t>
+            </a:r>
+            <a:r>
+              <a:rPr lang="de-CH" dirty="0" smtClean="0"/>
+              <a:t> </a:t>
+            </a:r>
+            <a:r>
+              <a:rPr lang="de-CH" dirty="0" err="1" smtClean="0"/>
+              <a:t>rooms</a:t>
+            </a:r>
+            <a:r>
+              <a:rPr lang="de-CH" dirty="0" smtClean="0"/>
+              <a:t>, </a:t>
+            </a:r>
+            <a:r>
+              <a:rPr lang="de-CH" dirty="0" err="1" smtClean="0"/>
+              <a:t>flights</a:t>
+            </a:r>
+            <a:r>
+              <a:rPr lang="de-CH" dirty="0" smtClean="0"/>
+              <a:t>, </a:t>
+            </a:r>
+            <a:r>
+              <a:rPr lang="de-CH" dirty="0" err="1" smtClean="0"/>
+              <a:t>events</a:t>
+            </a:r>
+            <a:r>
+              <a:rPr lang="de-CH" dirty="0" smtClean="0"/>
+              <a:t> …) </a:t>
+            </a:r>
+          </a:p>
+          <a:p>
+            <a:pPr lvl="1">
+              <a:buFont typeface="Arial" panose="020B0604020202020204" pitchFamily="34" charset="0"/>
+              <a:buChar char="•"/>
+            </a:pPr>
+            <a:r>
+              <a:rPr lang="de-CH" dirty="0" err="1" smtClean="0"/>
+              <a:t>Based</a:t>
+            </a:r>
+            <a:r>
+              <a:rPr lang="de-CH" dirty="0" smtClean="0"/>
+              <a:t> on </a:t>
+            </a:r>
+            <a:r>
+              <a:rPr lang="de-CH" dirty="0" err="1" smtClean="0"/>
+              <a:t>user</a:t>
+            </a:r>
+            <a:r>
+              <a:rPr lang="de-CH" dirty="0" smtClean="0"/>
+              <a:t> </a:t>
+            </a:r>
+            <a:r>
+              <a:rPr lang="de-CH" dirty="0" err="1" smtClean="0"/>
+              <a:t>behaviour</a:t>
+            </a:r>
+            <a:r>
+              <a:rPr lang="de-CH" dirty="0" smtClean="0"/>
+              <a:t> </a:t>
+            </a:r>
+            <a:r>
+              <a:rPr lang="de-CH" dirty="0" err="1" smtClean="0"/>
+              <a:t>and</a:t>
+            </a:r>
+            <a:r>
+              <a:rPr lang="de-CH" dirty="0" smtClean="0"/>
+              <a:t> </a:t>
+            </a:r>
+            <a:r>
+              <a:rPr lang="de-CH" dirty="0" err="1" smtClean="0"/>
+              <a:t>interests</a:t>
+            </a:r>
+            <a:endParaRPr lang="de-CH" dirty="0" smtClean="0"/>
+          </a:p>
+          <a:p>
+            <a:pPr>
+              <a:buFont typeface="Arial" panose="020B0604020202020204" pitchFamily="34" charset="0"/>
+              <a:buChar char="•"/>
+            </a:pPr>
+            <a:r>
+              <a:rPr lang="de-CH" dirty="0" smtClean="0"/>
+              <a:t> </a:t>
+            </a:r>
+            <a:r>
+              <a:rPr lang="de-CH" dirty="0" err="1" smtClean="0"/>
+              <a:t>Mechanism</a:t>
+            </a:r>
+            <a:r>
+              <a:rPr lang="de-CH" dirty="0" smtClean="0"/>
+              <a:t> </a:t>
+            </a:r>
+            <a:r>
+              <a:rPr lang="de-CH" dirty="0" err="1" smtClean="0"/>
+              <a:t>that</a:t>
+            </a:r>
+            <a:r>
+              <a:rPr lang="de-CH" dirty="0" smtClean="0"/>
+              <a:t> </a:t>
+            </a:r>
+            <a:r>
+              <a:rPr lang="de-CH" dirty="0" err="1" smtClean="0"/>
+              <a:t>allows</a:t>
+            </a:r>
+            <a:r>
+              <a:rPr lang="de-CH" dirty="0" smtClean="0"/>
+              <a:t> </a:t>
+            </a:r>
+            <a:r>
+              <a:rPr lang="de-CH" dirty="0" err="1" smtClean="0"/>
+              <a:t>the</a:t>
+            </a:r>
+            <a:r>
+              <a:rPr lang="de-CH" dirty="0" smtClean="0"/>
+              <a:t> </a:t>
+            </a:r>
+            <a:r>
+              <a:rPr lang="de-CH" dirty="0" err="1" smtClean="0"/>
+              <a:t>user</a:t>
+            </a:r>
+            <a:r>
+              <a:rPr lang="de-CH" dirty="0" smtClean="0"/>
+              <a:t> </a:t>
+            </a:r>
+            <a:r>
+              <a:rPr lang="de-CH" dirty="0" err="1" smtClean="0"/>
+              <a:t>to</a:t>
+            </a:r>
+            <a:r>
+              <a:rPr lang="de-CH" dirty="0" smtClean="0"/>
+              <a:t> reinstall </a:t>
+            </a:r>
+            <a:r>
+              <a:rPr lang="de-CH" dirty="0" err="1" smtClean="0"/>
+              <a:t>the</a:t>
+            </a:r>
+            <a:r>
+              <a:rPr lang="de-CH" dirty="0" smtClean="0"/>
+              <a:t> </a:t>
+            </a:r>
+            <a:r>
+              <a:rPr lang="de-CH" dirty="0" err="1" smtClean="0"/>
+              <a:t>app</a:t>
+            </a:r>
+            <a:r>
+              <a:rPr lang="de-CH" dirty="0" smtClean="0"/>
+              <a:t> </a:t>
+            </a:r>
+            <a:r>
+              <a:rPr lang="de-CH" dirty="0" err="1" smtClean="0"/>
+              <a:t>without</a:t>
+            </a:r>
+            <a:r>
+              <a:rPr lang="de-CH" dirty="0" smtClean="0"/>
+              <a:t> </a:t>
+            </a:r>
+            <a:r>
+              <a:rPr lang="de-CH" dirty="0" err="1" smtClean="0"/>
+              <a:t>data</a:t>
+            </a:r>
+            <a:r>
+              <a:rPr lang="de-CH" dirty="0" smtClean="0"/>
+              <a:t> </a:t>
+            </a:r>
+            <a:r>
+              <a:rPr lang="de-CH" dirty="0" err="1" smtClean="0"/>
+              <a:t>loss</a:t>
+            </a:r>
+            <a:endParaRPr lang="de-CH" dirty="0" smtClean="0"/>
+          </a:p>
+          <a:p>
+            <a:pPr>
+              <a:buFont typeface="Arial" panose="020B0604020202020204" pitchFamily="34" charset="0"/>
+              <a:buChar char="•"/>
+            </a:pPr>
+            <a:r>
+              <a:rPr lang="de-CH" dirty="0" smtClean="0"/>
+              <a:t> </a:t>
+            </a:r>
+            <a:r>
+              <a:rPr lang="de-CH" dirty="0" err="1" smtClean="0"/>
+              <a:t>Optimize</a:t>
+            </a:r>
+            <a:r>
+              <a:rPr lang="de-CH" dirty="0" smtClean="0"/>
+              <a:t> </a:t>
+            </a:r>
+            <a:r>
+              <a:rPr lang="de-CH" dirty="0" err="1" smtClean="0"/>
+              <a:t>security</a:t>
+            </a:r>
+            <a:endParaRPr lang="de-CH" dirty="0" smtClean="0"/>
+          </a:p>
+          <a:p>
+            <a:pPr lvl="1">
+              <a:buFont typeface="Arial" panose="020B0604020202020204" pitchFamily="34" charset="0"/>
+              <a:buChar char="•"/>
+            </a:pPr>
+            <a:r>
+              <a:rPr lang="de-CH" dirty="0" err="1" smtClean="0"/>
+              <a:t>Currently</a:t>
+            </a:r>
+            <a:r>
+              <a:rPr lang="de-CH" dirty="0" smtClean="0"/>
+              <a:t> </a:t>
+            </a:r>
+            <a:r>
+              <a:rPr lang="de-CH" dirty="0" err="1" smtClean="0"/>
+              <a:t>every</a:t>
+            </a:r>
+            <a:r>
+              <a:rPr lang="de-CH" dirty="0" smtClean="0"/>
+              <a:t> </a:t>
+            </a:r>
+            <a:r>
+              <a:rPr lang="de-CH" dirty="0" err="1" smtClean="0"/>
+              <a:t>user</a:t>
+            </a:r>
+            <a:r>
+              <a:rPr lang="de-CH" dirty="0" smtClean="0"/>
+              <a:t> </a:t>
+            </a:r>
+            <a:r>
+              <a:rPr lang="de-CH" dirty="0" err="1" smtClean="0"/>
+              <a:t>can</a:t>
+            </a:r>
+            <a:r>
+              <a:rPr lang="de-CH" dirty="0" smtClean="0"/>
+              <a:t> CRUD </a:t>
+            </a:r>
+            <a:r>
+              <a:rPr lang="de-CH" dirty="0" err="1" smtClean="0"/>
+              <a:t>the</a:t>
+            </a:r>
+            <a:r>
+              <a:rPr lang="de-CH" dirty="0"/>
+              <a:t> </a:t>
+            </a:r>
+            <a:r>
+              <a:rPr lang="de-CH" dirty="0" err="1" smtClean="0"/>
+              <a:t>collected</a:t>
+            </a:r>
+            <a:r>
+              <a:rPr lang="de-CH" dirty="0" smtClean="0"/>
+              <a:t> </a:t>
+            </a:r>
+            <a:r>
+              <a:rPr lang="de-CH" dirty="0" err="1" smtClean="0"/>
+              <a:t>data</a:t>
+            </a:r>
+            <a:r>
+              <a:rPr lang="de-CH" dirty="0" smtClean="0"/>
+              <a:t> on </a:t>
+            </a:r>
+            <a:r>
+              <a:rPr lang="de-CH" dirty="0" err="1" smtClean="0"/>
+              <a:t>the</a:t>
+            </a:r>
+            <a:r>
+              <a:rPr lang="de-CH" dirty="0" smtClean="0"/>
+              <a:t> </a:t>
+            </a:r>
+            <a:r>
+              <a:rPr lang="de-CH" dirty="0" err="1" smtClean="0"/>
+              <a:t>server</a:t>
+            </a:r>
+            <a:r>
+              <a:rPr lang="de-CH" dirty="0" smtClean="0"/>
+              <a:t> (via </a:t>
+            </a:r>
+            <a:r>
+              <a:rPr lang="de-CH" dirty="0" err="1" smtClean="0"/>
+              <a:t>the</a:t>
+            </a:r>
+            <a:r>
+              <a:rPr lang="de-CH" dirty="0" smtClean="0"/>
+              <a:t> REST </a:t>
+            </a:r>
+            <a:r>
+              <a:rPr lang="de-CH" dirty="0" err="1" smtClean="0"/>
+              <a:t>interface</a:t>
+            </a:r>
+            <a:r>
+              <a:rPr lang="de-CH" dirty="0" smtClean="0"/>
+              <a:t>)</a:t>
+            </a:r>
+            <a:endParaRPr lang="de-CH" dirty="0"/>
+          </a:p>
+        </p:txBody>
+      </p:sp>
+      <p:sp>
+        <p:nvSpPr>
+          <p:cNvPr id="4" name="Date Placeholder 3"/>
+          <p:cNvSpPr>
+            <a:spLocks noGrp="1"/>
+          </p:cNvSpPr>
+          <p:nvPr>
+            <p:ph type="dt" sz="half" idx="10"/>
           </p:nvPr>
         </p:nvSpPr>
         <p:spPr/>
@@ -4746,18 +5420,22 @@
           <a:bodyPr/>
           <a:lstStyle/>
           <a:p>
+            <a:r>
+              <a:rPr lang="de-DE" smtClean="0"/>
+              <a:t>13.04.2015</a:t>
+            </a:r>
             <a:endParaRPr lang="de-CH"/>
           </a:p>
         </p:txBody>
       </p:sp>
       <p:sp>
         <p:nvSpPr>
-          <p:cNvPr id="4" name="Date Placeholder 3"/>
-          <p:cNvSpPr>
-            <a:spLocks noGrp="1"/>
-          </p:cNvSpPr>
-          <p:nvPr>
-            <p:ph type="dt" sz="half" idx="10"/>
+          <p:cNvPr id="5" name="Footer Placeholder 4"/>
+          <p:cNvSpPr>
+            <a:spLocks noGrp="1"/>
+          </p:cNvSpPr>
+          <p:nvPr>
+            <p:ph type="ftr" sz="quarter" idx="11"/>
           </p:nvPr>
         </p:nvSpPr>
         <p:spPr/>
@@ -4766,8 +5444,8 @@
           <a:lstStyle/>
           <a:p>
             <a:r>
-              <a:rPr lang="de-CH" smtClean="0"/>
-              <a:t>13.04.2015</a:t>
+              <a:rPr lang="en-US" smtClean="0"/>
+              <a:t>ACF: Nils Frey, Lucas Graf and Thomas Strebel</a:t>
             </a:r>
             <a:endParaRPr lang="de-CH"/>
           </a:p>
@@ -4775,12 +5453,12 @@
       </p:sp>
       <p:sp>
         <p:nvSpPr>
-          <p:cNvPr id="5" name="Footer Placeholder 4"/>
-          <p:cNvSpPr>
-            <a:spLocks noGrp="1"/>
-          </p:cNvSpPr>
-          <p:nvPr>
-            <p:ph type="ftr" sz="quarter" idx="11"/>
+          <p:cNvPr id="6" name="Slide Number Placeholder 5"/>
+          <p:cNvSpPr>
+            <a:spLocks noGrp="1"/>
+          </p:cNvSpPr>
+          <p:nvPr>
+            <p:ph type="sldNum" sz="quarter" idx="12"/>
           </p:nvPr>
         </p:nvSpPr>
         <p:spPr/>
@@ -4788,30 +5466,7 @@
           <a:bodyPr/>
           <a:lstStyle/>
           <a:p>
-            <a:r>
-              <a:rPr lang="en-US" smtClean="0"/>
-              <a:t>TSM_MobOp Augmented City Finder: Nils Frey, Lucas Graf, Thomas Strebel</a:t>
-            </a:r>
-            <a:endParaRPr lang="de-CH"/>
-          </a:p>
-        </p:txBody>
-      </p:sp>
-      <p:sp>
-        <p:nvSpPr>
-          <p:cNvPr id="6" name="Slide Number Placeholder 5"/>
-          <p:cNvSpPr>
-            <a:spLocks noGrp="1"/>
-          </p:cNvSpPr>
-          <p:nvPr>
-            <p:ph type="sldNum" sz="quarter" idx="12"/>
-          </p:nvPr>
-        </p:nvSpPr>
-        <p:spPr/>
-        <p:txBody>
-          <a:bodyPr/>
-          <a:lstStyle/>
-          <a:p>
-            <a:fld id="{0FC02E39-DF30-4134-BCDF-AD4758630250}" type="slidenum">
+            <a:fld id="{38534A16-F4EA-42C1-9196-9164AB5EF764}" type="slidenum">
               <a:rPr lang="de-CH" smtClean="0"/>
               <a:t>11</a:t>
             </a:fld>
@@ -4822,20 +5477,13 @@
     </p:spTree>
     <p:extLst>
       <p:ext uri="{BB962C8B-B14F-4D97-AF65-F5344CB8AC3E}">
-        <p14:creationId xmlns:p14="http://schemas.microsoft.com/office/powerpoint/2010/main" val="1189309357"/>
+        <p14:creationId xmlns:p14="http://schemas.microsoft.com/office/powerpoint/2010/main" val="2915395550"/>
       </p:ext>
     </p:extLst>
   </p:cSld>
   <p:clrMapOvr>
     <a:masterClrMapping/>
   </p:clrMapOvr>
-  <p:timing>
-    <p:tnLst>
-      <p:par>
-        <p:cTn id="1" dur="indefinite" restart="never" nodeType="tmRoot"/>
-      </p:par>
-    </p:tnLst>
-  </p:timing>
 </p:sld>
 </file>
 
@@ -4872,21 +5520,39 @@
           <a:lstStyle/>
           <a:p>
             <a:r>
-              <a:rPr lang="de-CH" dirty="0" smtClean="0"/>
+              <a:rPr lang="de-CH" dirty="0"/>
               <a:t>Demo</a:t>
             </a:r>
+          </a:p>
+        </p:txBody>
+      </p:sp>
+      <p:sp>
+        <p:nvSpPr>
+          <p:cNvPr id="3" name="Content Placeholder 2"/>
+          <p:cNvSpPr>
+            <a:spLocks noGrp="1"/>
+          </p:cNvSpPr>
+          <p:nvPr>
+            <p:ph idx="1"/>
+          </p:nvPr>
+        </p:nvSpPr>
+        <p:spPr/>
+        <p:txBody>
+          <a:bodyPr/>
+          <a:lstStyle/>
+          <a:p>
             <a:endParaRPr lang="de-CH" dirty="0"/>
           </a:p>
         </p:txBody>
       </p:sp>
       <p:sp>
         <p:nvSpPr>
-          <p:cNvPr id="3" name="Content Placeholder 2"/>
-          <p:cNvSpPr>
-            <a:spLocks noGrp="1"/>
-          </p:cNvSpPr>
-          <p:nvPr>
-            <p:ph idx="1"/>
+          <p:cNvPr id="4" name="Date Placeholder 3"/>
+          <p:cNvSpPr>
+            <a:spLocks noGrp="1"/>
+          </p:cNvSpPr>
+          <p:nvPr>
+            <p:ph type="dt" sz="half" idx="10"/>
           </p:nvPr>
         </p:nvSpPr>
         <p:spPr/>
@@ -4894,18 +5560,22 @@
           <a:bodyPr/>
           <a:lstStyle/>
           <a:p>
-            <a:endParaRPr lang="de-CH" dirty="0"/>
-          </a:p>
-        </p:txBody>
-      </p:sp>
-      <p:sp>
-        <p:nvSpPr>
-          <p:cNvPr id="4" name="Date Placeholder 3"/>
-          <p:cNvSpPr>
-            <a:spLocks noGrp="1"/>
-          </p:cNvSpPr>
-          <p:nvPr>
-            <p:ph type="dt" sz="half" idx="10"/>
+            <a:r>
+              <a:rPr lang="de-DE" smtClean="0"/>
+              <a:t>13.04.2015</a:t>
+            </a:r>
+            <a:endParaRPr lang="de-CH"/>
+          </a:p>
+        </p:txBody>
+      </p:sp>
+      <p:sp>
+        <p:nvSpPr>
+          <p:cNvPr id="5" name="Footer Placeholder 4"/>
+          <p:cNvSpPr>
+            <a:spLocks noGrp="1"/>
+          </p:cNvSpPr>
+          <p:nvPr>
+            <p:ph type="ftr" sz="quarter" idx="11"/>
           </p:nvPr>
         </p:nvSpPr>
         <p:spPr/>
@@ -4914,8 +5584,8 @@
           <a:lstStyle/>
           <a:p>
             <a:r>
-              <a:rPr lang="de-CH" smtClean="0"/>
-              <a:t>13.04.2015</a:t>
+              <a:rPr lang="en-US" smtClean="0"/>
+              <a:t>ACF: Nils Frey, Lucas Graf and Thomas Strebel</a:t>
             </a:r>
             <a:endParaRPr lang="de-CH"/>
           </a:p>
@@ -4923,12 +5593,12 @@
       </p:sp>
       <p:sp>
         <p:nvSpPr>
-          <p:cNvPr id="5" name="Footer Placeholder 4"/>
-          <p:cNvSpPr>
-            <a:spLocks noGrp="1"/>
-          </p:cNvSpPr>
-          <p:nvPr>
-            <p:ph type="ftr" sz="quarter" idx="11"/>
+          <p:cNvPr id="6" name="Slide Number Placeholder 5"/>
+          <p:cNvSpPr>
+            <a:spLocks noGrp="1"/>
+          </p:cNvSpPr>
+          <p:nvPr>
+            <p:ph type="sldNum" sz="quarter" idx="12"/>
           </p:nvPr>
         </p:nvSpPr>
         <p:spPr/>
@@ -4936,30 +5606,7 @@
           <a:bodyPr/>
           <a:lstStyle/>
           <a:p>
-            <a:r>
-              <a:rPr lang="en-US" smtClean="0"/>
-              <a:t>TSM_MobOp Augmented City Finder: Nils Frey, Lucas Graf, Thomas Strebel</a:t>
-            </a:r>
-            <a:endParaRPr lang="de-CH"/>
-          </a:p>
-        </p:txBody>
-      </p:sp>
-      <p:sp>
-        <p:nvSpPr>
-          <p:cNvPr id="6" name="Slide Number Placeholder 5"/>
-          <p:cNvSpPr>
-            <a:spLocks noGrp="1"/>
-          </p:cNvSpPr>
-          <p:nvPr>
-            <p:ph type="sldNum" sz="quarter" idx="12"/>
-          </p:nvPr>
-        </p:nvSpPr>
-        <p:spPr/>
-        <p:txBody>
-          <a:bodyPr/>
-          <a:lstStyle/>
-          <a:p>
-            <a:fld id="{0FC02E39-DF30-4134-BCDF-AD4758630250}" type="slidenum">
+            <a:fld id="{38534A16-F4EA-42C1-9196-9164AB5EF764}" type="slidenum">
               <a:rPr lang="de-CH" smtClean="0"/>
               <a:t>12</a:t>
             </a:fld>
@@ -4967,23 +5614,70 @@
           </a:p>
         </p:txBody>
       </p:sp>
+      <p:sp>
+        <p:nvSpPr>
+          <p:cNvPr id="7" name="TextBox 6"/>
+          <p:cNvSpPr txBox="1"/>
+          <p:nvPr/>
+        </p:nvSpPr>
+        <p:spPr>
+          <a:xfrm>
+            <a:off x="3495759" y="2767476"/>
+            <a:ext cx="4175695" cy="369332"/>
+          </a:xfrm>
+          <a:prstGeom prst="rect">
+            <a:avLst/>
+          </a:prstGeom>
+          <a:noFill/>
+        </p:spPr>
+        <p:txBody>
+          <a:bodyPr wrap="none" rtlCol="0">
+            <a:spAutoFit/>
+          </a:bodyPr>
+          <a:lstStyle/>
+          <a:p>
+            <a:r>
+              <a:rPr lang="de-CH" dirty="0" smtClean="0"/>
+              <a:t>TO BE DONE: Insert </a:t>
+            </a:r>
+            <a:r>
+              <a:rPr lang="de-CH" dirty="0" err="1" smtClean="0"/>
+              <a:t>PrintScreen</a:t>
+            </a:r>
+            <a:r>
+              <a:rPr lang="de-CH" dirty="0" smtClean="0"/>
+              <a:t> </a:t>
+            </a:r>
+            <a:r>
+              <a:rPr lang="de-CH" dirty="0" err="1" smtClean="0"/>
+              <a:t>of</a:t>
+            </a:r>
+            <a:r>
+              <a:rPr lang="de-CH" dirty="0" smtClean="0"/>
+              <a:t> </a:t>
+            </a:r>
+            <a:r>
+              <a:rPr lang="de-CH" dirty="0" err="1" smtClean="0"/>
+              <a:t>the</a:t>
+            </a:r>
+            <a:r>
+              <a:rPr lang="de-CH" dirty="0" smtClean="0"/>
+              <a:t> App</a:t>
+            </a:r>
+            <a:endParaRPr lang="de-CH" dirty="0"/>
+          </a:p>
+        </p:txBody>
+      </p:sp>
     </p:spTree>
     <p:extLst>
       <p:ext uri="{BB962C8B-B14F-4D97-AF65-F5344CB8AC3E}">
-        <p14:creationId xmlns:p14="http://schemas.microsoft.com/office/powerpoint/2010/main" val="2998404503"/>
+        <p14:creationId xmlns:p14="http://schemas.microsoft.com/office/powerpoint/2010/main" val="1386483034"/>
       </p:ext>
     </p:extLst>
   </p:cSld>
   <p:clrMapOvr>
     <a:masterClrMapping/>
   </p:clrMapOvr>
-  <p:timing>
-    <p:tnLst>
-      <p:par>
-        <p:cTn id="1" dur="indefinite" restart="never" nodeType="tmRoot"/>
-      </p:par>
-    </p:tnLst>
-  </p:timing>
 </p:sld>
 </file>
 
@@ -5025,11 +5719,7 @@
             </a:r>
             <a:r>
               <a:rPr lang="de-CH" dirty="0"/>
-              <a:t> </a:t>
-            </a:r>
-            <a:r>
-              <a:rPr lang="de-CH" dirty="0" smtClean="0"/>
-              <a:t>– </a:t>
+              <a:t> – </a:t>
             </a:r>
             <a:r>
               <a:rPr lang="de-CH" dirty="0" err="1" smtClean="0"/>
@@ -5063,10 +5753,516 @@
         </p:nvSpPr>
         <p:spPr/>
         <p:txBody>
-          <a:bodyPr/>
-          <a:lstStyle/>
-          <a:p>
-            <a:endParaRPr lang="de-CH"/>
+          <a:bodyPr>
+            <a:normAutofit/>
+          </a:bodyPr>
+          <a:lstStyle/>
+          <a:p>
+            <a:pPr>
+              <a:buFont typeface="Arial" panose="020B0604020202020204" pitchFamily="34" charset="0"/>
+              <a:buChar char="•"/>
+            </a:pPr>
+            <a:r>
+              <a:rPr lang="de-CH" dirty="0" smtClean="0"/>
+              <a:t> </a:t>
+            </a:r>
+            <a:r>
+              <a:rPr lang="de-CH" dirty="0" err="1" smtClean="0"/>
+              <a:t>Informational</a:t>
+            </a:r>
+            <a:r>
+              <a:rPr lang="de-CH" dirty="0" smtClean="0"/>
+              <a:t> funny </a:t>
+            </a:r>
+            <a:r>
+              <a:rPr lang="de-CH" dirty="0" smtClean="0"/>
+              <a:t>Android App</a:t>
+            </a:r>
+          </a:p>
+          <a:p>
+            <a:pPr>
+              <a:buFont typeface="Arial" panose="020B0604020202020204" pitchFamily="34" charset="0"/>
+              <a:buChar char="•"/>
+            </a:pPr>
+            <a:r>
+              <a:rPr lang="de-CH" dirty="0" smtClean="0"/>
+              <a:t> The App</a:t>
+            </a:r>
+          </a:p>
+          <a:p>
+            <a:pPr lvl="1">
+              <a:buFont typeface="Arial" panose="020B0604020202020204" pitchFamily="34" charset="0"/>
+              <a:buChar char="•"/>
+            </a:pPr>
+            <a:r>
+              <a:rPr lang="de-CH" dirty="0" err="1"/>
+              <a:t>G</a:t>
+            </a:r>
+            <a:r>
+              <a:rPr lang="de-CH" dirty="0" err="1" smtClean="0"/>
+              <a:t>ets</a:t>
+            </a:r>
+            <a:r>
+              <a:rPr lang="de-CH" dirty="0" smtClean="0"/>
+              <a:t> </a:t>
+            </a:r>
+            <a:r>
+              <a:rPr lang="de-CH" dirty="0" err="1" smtClean="0"/>
+              <a:t>the</a:t>
+            </a:r>
+            <a:r>
+              <a:rPr lang="de-CH" dirty="0" smtClean="0"/>
+              <a:t> </a:t>
+            </a:r>
+            <a:r>
+              <a:rPr lang="de-CH" dirty="0" err="1" smtClean="0"/>
+              <a:t>current</a:t>
+            </a:r>
+            <a:r>
+              <a:rPr lang="de-CH" dirty="0" smtClean="0"/>
+              <a:t> </a:t>
+            </a:r>
+            <a:r>
+              <a:rPr lang="de-CH" dirty="0" err="1" smtClean="0"/>
+              <a:t>device</a:t>
+            </a:r>
+            <a:r>
+              <a:rPr lang="de-CH" dirty="0" smtClean="0"/>
+              <a:t> </a:t>
+            </a:r>
+            <a:r>
+              <a:rPr lang="de-CH" dirty="0" err="1" smtClean="0"/>
+              <a:t>location</a:t>
+            </a:r>
+            <a:endParaRPr lang="de-CH" dirty="0" smtClean="0"/>
+          </a:p>
+          <a:p>
+            <a:pPr lvl="1">
+              <a:buFont typeface="Arial" panose="020B0604020202020204" pitchFamily="34" charset="0"/>
+              <a:buChar char="•"/>
+            </a:pPr>
+            <a:r>
+              <a:rPr lang="de-CH" dirty="0" smtClean="0"/>
+              <a:t>Displays </a:t>
+            </a:r>
+            <a:r>
+              <a:rPr lang="de-CH" dirty="0" err="1" smtClean="0"/>
+              <a:t>the</a:t>
+            </a:r>
+            <a:r>
+              <a:rPr lang="de-CH" dirty="0" smtClean="0"/>
+              <a:t> </a:t>
+            </a:r>
+            <a:r>
+              <a:rPr lang="de-CH" dirty="0" err="1" smtClean="0"/>
+              <a:t>distance</a:t>
+            </a:r>
+            <a:r>
+              <a:rPr lang="de-CH" dirty="0" smtClean="0"/>
+              <a:t> </a:t>
+            </a:r>
+            <a:r>
+              <a:rPr lang="de-CH" dirty="0" err="1" smtClean="0"/>
+              <a:t>to</a:t>
+            </a:r>
+            <a:r>
+              <a:rPr lang="de-CH" dirty="0" smtClean="0"/>
+              <a:t> a </a:t>
+            </a:r>
+            <a:r>
+              <a:rPr lang="de-CH" dirty="0" err="1" smtClean="0"/>
+              <a:t>certain</a:t>
+            </a:r>
+            <a:r>
+              <a:rPr lang="de-CH" dirty="0" smtClean="0"/>
+              <a:t> </a:t>
+            </a:r>
+            <a:r>
+              <a:rPr lang="de-CH" dirty="0" err="1" smtClean="0"/>
+              <a:t>cities</a:t>
+            </a:r>
+            <a:endParaRPr lang="de-CH" dirty="0" smtClean="0"/>
+          </a:p>
+          <a:p>
+            <a:pPr lvl="2">
+              <a:buFont typeface="Arial" panose="020B0604020202020204" pitchFamily="34" charset="0"/>
+              <a:buChar char="•"/>
+            </a:pPr>
+            <a:r>
+              <a:rPr lang="de-CH" dirty="0" smtClean="0"/>
+              <a:t>User </a:t>
+            </a:r>
+            <a:r>
+              <a:rPr lang="de-CH" dirty="0" err="1" smtClean="0"/>
+              <a:t>specifies</a:t>
+            </a:r>
+            <a:r>
+              <a:rPr lang="de-CH" dirty="0" smtClean="0"/>
+              <a:t> </a:t>
+            </a:r>
+            <a:r>
+              <a:rPr lang="de-CH" dirty="0" err="1" smtClean="0"/>
+              <a:t>cities</a:t>
+            </a:r>
+            <a:r>
+              <a:rPr lang="de-CH" dirty="0" smtClean="0"/>
+              <a:t> </a:t>
+            </a:r>
+            <a:r>
+              <a:rPr lang="de-CH" dirty="0" err="1" smtClean="0"/>
+              <a:t>to</a:t>
+            </a:r>
+            <a:r>
+              <a:rPr lang="de-CH" dirty="0" smtClean="0"/>
+              <a:t> </a:t>
+            </a:r>
+            <a:r>
+              <a:rPr lang="de-CH" dirty="0" err="1" smtClean="0"/>
+              <a:t>display</a:t>
+            </a:r>
+            <a:endParaRPr lang="de-CH" dirty="0" smtClean="0"/>
+          </a:p>
+          <a:p>
+            <a:pPr lvl="2">
+              <a:buFont typeface="Arial" panose="020B0604020202020204" pitchFamily="34" charset="0"/>
+              <a:buChar char="•"/>
+            </a:pPr>
+            <a:r>
+              <a:rPr lang="de-CH" dirty="0" smtClean="0"/>
+              <a:t>User </a:t>
+            </a:r>
+            <a:r>
+              <a:rPr lang="de-CH" dirty="0" err="1" smtClean="0"/>
+              <a:t>can</a:t>
+            </a:r>
+            <a:r>
+              <a:rPr lang="de-CH" dirty="0"/>
+              <a:t> </a:t>
+            </a:r>
+            <a:r>
+              <a:rPr lang="de-CH" dirty="0" err="1" smtClean="0"/>
+              <a:t>add</a:t>
+            </a:r>
+            <a:r>
+              <a:rPr lang="de-CH" dirty="0" smtClean="0"/>
+              <a:t> </a:t>
+            </a:r>
+            <a:r>
+              <a:rPr lang="de-CH" dirty="0" err="1" smtClean="0"/>
+              <a:t>new</a:t>
+            </a:r>
+            <a:r>
+              <a:rPr lang="de-CH" dirty="0" smtClean="0"/>
+              <a:t> </a:t>
+            </a:r>
+            <a:r>
+              <a:rPr lang="de-CH" dirty="0" err="1" smtClean="0"/>
+              <a:t>cities</a:t>
+            </a:r>
+            <a:endParaRPr lang="de-CH" dirty="0"/>
+          </a:p>
+          <a:p>
+            <a:pPr lvl="1">
+              <a:buFont typeface="Arial" panose="020B0604020202020204" pitchFamily="34" charset="0"/>
+              <a:buChar char="•"/>
+            </a:pPr>
+            <a:r>
+              <a:rPr lang="de-CH" dirty="0" smtClean="0"/>
+              <a:t>Displays </a:t>
+            </a:r>
+            <a:r>
+              <a:rPr lang="de-CH" dirty="0" err="1" smtClean="0"/>
+              <a:t>the</a:t>
+            </a:r>
+            <a:r>
+              <a:rPr lang="de-CH" dirty="0" smtClean="0"/>
+              <a:t> </a:t>
+            </a:r>
+            <a:r>
+              <a:rPr lang="de-CH" dirty="0" err="1" smtClean="0"/>
+              <a:t>cities</a:t>
+            </a:r>
+            <a:r>
+              <a:rPr lang="de-CH" dirty="0" smtClean="0"/>
+              <a:t> </a:t>
+            </a:r>
+            <a:r>
+              <a:rPr lang="de-CH" dirty="0" err="1" smtClean="0"/>
+              <a:t>directly</a:t>
+            </a:r>
+            <a:r>
+              <a:rPr lang="de-CH" dirty="0" smtClean="0"/>
+              <a:t> on </a:t>
+            </a:r>
+            <a:r>
+              <a:rPr lang="de-CH" dirty="0" err="1" smtClean="0"/>
+              <a:t>the</a:t>
+            </a:r>
+            <a:r>
+              <a:rPr lang="de-CH" dirty="0"/>
+              <a:t> </a:t>
+            </a:r>
+            <a:r>
+              <a:rPr lang="de-CH" dirty="0" err="1" smtClean="0"/>
+              <a:t>image</a:t>
+            </a:r>
+            <a:r>
+              <a:rPr lang="de-CH" dirty="0" smtClean="0"/>
+              <a:t> </a:t>
+            </a:r>
+            <a:r>
+              <a:rPr lang="de-CH" dirty="0" err="1" smtClean="0"/>
+              <a:t>of</a:t>
+            </a:r>
+            <a:r>
+              <a:rPr lang="de-CH" dirty="0" smtClean="0"/>
+              <a:t> </a:t>
+            </a:r>
+            <a:r>
+              <a:rPr lang="de-CH" dirty="0" err="1" smtClean="0"/>
+              <a:t>the</a:t>
+            </a:r>
+            <a:r>
+              <a:rPr lang="de-CH" dirty="0" smtClean="0"/>
+              <a:t> front </a:t>
+            </a:r>
+            <a:r>
+              <a:rPr lang="de-CH" dirty="0" err="1" smtClean="0"/>
+              <a:t>camera</a:t>
+            </a:r>
+            <a:endParaRPr lang="de-CH" dirty="0" smtClean="0"/>
+          </a:p>
+          <a:p>
+            <a:pPr lvl="2">
+              <a:buFont typeface="Arial" panose="020B0604020202020204" pitchFamily="34" charset="0"/>
+              <a:buChar char="•"/>
+            </a:pPr>
+            <a:r>
+              <a:rPr lang="de-CH" dirty="0" err="1" smtClean="0"/>
+              <a:t>Dependening</a:t>
+            </a:r>
+            <a:r>
+              <a:rPr lang="de-CH" dirty="0" smtClean="0"/>
+              <a:t> on </a:t>
+            </a:r>
+            <a:r>
+              <a:rPr lang="de-CH" dirty="0" err="1" smtClean="0"/>
+              <a:t>the</a:t>
+            </a:r>
+            <a:r>
+              <a:rPr lang="de-CH" dirty="0" smtClean="0"/>
+              <a:t> </a:t>
+            </a:r>
+            <a:r>
+              <a:rPr lang="de-CH" dirty="0" err="1" smtClean="0"/>
+              <a:t>direction</a:t>
+            </a:r>
+            <a:r>
+              <a:rPr lang="de-CH" dirty="0" smtClean="0"/>
+              <a:t> </a:t>
+            </a:r>
+            <a:r>
+              <a:rPr lang="de-CH" dirty="0" err="1" smtClean="0"/>
+              <a:t>of</a:t>
+            </a:r>
+            <a:r>
+              <a:rPr lang="de-CH" dirty="0" smtClean="0"/>
+              <a:t> </a:t>
+            </a:r>
+            <a:r>
+              <a:rPr lang="de-CH" dirty="0" err="1" smtClean="0"/>
+              <a:t>the</a:t>
+            </a:r>
+            <a:r>
+              <a:rPr lang="de-CH" dirty="0" smtClean="0"/>
+              <a:t> </a:t>
+            </a:r>
+            <a:r>
+              <a:rPr lang="de-CH" dirty="0" err="1" smtClean="0"/>
+              <a:t>camera</a:t>
+            </a:r>
+            <a:endParaRPr lang="de-CH" dirty="0" smtClean="0"/>
+          </a:p>
+          <a:p>
+            <a:pPr lvl="1">
+              <a:buFont typeface="Arial" panose="020B0604020202020204" pitchFamily="34" charset="0"/>
+              <a:buChar char="•"/>
+            </a:pPr>
+            <a:r>
+              <a:rPr lang="de-CH" dirty="0" err="1" smtClean="0"/>
+              <a:t>Offers</a:t>
+            </a:r>
+            <a:r>
+              <a:rPr lang="de-CH" dirty="0" smtClean="0"/>
+              <a:t> </a:t>
+            </a:r>
+            <a:r>
+              <a:rPr lang="de-CH" dirty="0" err="1" smtClean="0"/>
+              <a:t>the</a:t>
+            </a:r>
+            <a:r>
+              <a:rPr lang="de-CH" dirty="0" smtClean="0"/>
+              <a:t> </a:t>
+            </a:r>
+            <a:r>
+              <a:rPr lang="de-CH" dirty="0" err="1" smtClean="0"/>
+              <a:t>user</a:t>
+            </a:r>
+            <a:r>
+              <a:rPr lang="de-CH" dirty="0" smtClean="0"/>
+              <a:t> </a:t>
+            </a:r>
+            <a:r>
+              <a:rPr lang="de-CH" dirty="0" err="1" smtClean="0"/>
+              <a:t>to</a:t>
+            </a:r>
+            <a:r>
+              <a:rPr lang="de-CH" dirty="0" smtClean="0"/>
+              <a:t> </a:t>
+            </a:r>
+            <a:r>
+              <a:rPr lang="de-CH" dirty="0" err="1" smtClean="0"/>
+              <a:t>tap</a:t>
+            </a:r>
+            <a:r>
+              <a:rPr lang="de-CH" dirty="0" smtClean="0"/>
+              <a:t> on a </a:t>
+            </a:r>
+            <a:r>
+              <a:rPr lang="de-CH" dirty="0" err="1" smtClean="0"/>
+              <a:t>city</a:t>
+            </a:r>
+            <a:endParaRPr lang="de-CH" dirty="0" smtClean="0"/>
+          </a:p>
+          <a:p>
+            <a:pPr lvl="2">
+              <a:buFont typeface="Arial" panose="020B0604020202020204" pitchFamily="34" charset="0"/>
+              <a:buChar char="•"/>
+            </a:pPr>
+            <a:r>
+              <a:rPr lang="de-CH" dirty="0" err="1" smtClean="0"/>
+              <a:t>Tap</a:t>
+            </a:r>
+            <a:r>
+              <a:rPr lang="de-CH" dirty="0" smtClean="0"/>
+              <a:t> will </a:t>
+            </a:r>
+            <a:r>
+              <a:rPr lang="de-CH" dirty="0" err="1" smtClean="0"/>
+              <a:t>display</a:t>
+            </a:r>
+            <a:r>
+              <a:rPr lang="de-CH" dirty="0" smtClean="0"/>
+              <a:t> </a:t>
+            </a:r>
+            <a:r>
+              <a:rPr lang="de-CH" dirty="0" err="1" smtClean="0"/>
+              <a:t>specific</a:t>
+            </a:r>
+            <a:r>
+              <a:rPr lang="de-CH" dirty="0" smtClean="0"/>
+              <a:t> </a:t>
+            </a:r>
+            <a:r>
+              <a:rPr lang="de-CH" dirty="0" err="1" smtClean="0"/>
+              <a:t>information</a:t>
+            </a:r>
+            <a:r>
+              <a:rPr lang="de-CH" dirty="0" smtClean="0"/>
+              <a:t> </a:t>
+            </a:r>
+            <a:r>
+              <a:rPr lang="de-CH" dirty="0" err="1" smtClean="0"/>
+              <a:t>about</a:t>
+            </a:r>
+            <a:r>
+              <a:rPr lang="de-CH" dirty="0" smtClean="0"/>
+              <a:t> </a:t>
+            </a:r>
+            <a:r>
+              <a:rPr lang="de-CH" dirty="0" err="1" smtClean="0"/>
+              <a:t>the</a:t>
+            </a:r>
+            <a:r>
+              <a:rPr lang="de-CH" dirty="0" smtClean="0"/>
+              <a:t> </a:t>
+            </a:r>
+            <a:r>
+              <a:rPr lang="de-CH" dirty="0" err="1" smtClean="0"/>
+              <a:t>city</a:t>
+            </a:r>
+            <a:endParaRPr lang="de-CH" dirty="0" smtClean="0"/>
+          </a:p>
+          <a:p>
+            <a:pPr lvl="2">
+              <a:buFont typeface="Arial" panose="020B0604020202020204" pitchFamily="34" charset="0"/>
+              <a:buChar char="•"/>
+            </a:pPr>
+            <a:r>
+              <a:rPr lang="de-CH" dirty="0" smtClean="0"/>
+              <a:t>User </a:t>
+            </a:r>
+            <a:r>
+              <a:rPr lang="de-CH" dirty="0" err="1"/>
+              <a:t>can</a:t>
+            </a:r>
+            <a:r>
+              <a:rPr lang="de-CH" dirty="0"/>
+              <a:t> </a:t>
+            </a:r>
+            <a:r>
+              <a:rPr lang="de-CH" dirty="0" err="1"/>
+              <a:t>set</a:t>
+            </a:r>
+            <a:r>
+              <a:rPr lang="de-CH" dirty="0"/>
+              <a:t> </a:t>
+            </a:r>
+            <a:r>
+              <a:rPr lang="de-CH" dirty="0" err="1"/>
+              <a:t>up</a:t>
+            </a:r>
+            <a:r>
+              <a:rPr lang="de-CH" dirty="0"/>
+              <a:t> </a:t>
+            </a:r>
+            <a:r>
+              <a:rPr lang="de-CH" dirty="0" err="1"/>
+              <a:t>which</a:t>
+            </a:r>
+            <a:r>
+              <a:rPr lang="de-CH" dirty="0"/>
+              <a:t> </a:t>
+            </a:r>
+            <a:r>
+              <a:rPr lang="de-CH" dirty="0" err="1"/>
+              <a:t>information</a:t>
+            </a:r>
+            <a:r>
+              <a:rPr lang="de-CH" dirty="0"/>
+              <a:t> </a:t>
+            </a:r>
+            <a:r>
+              <a:rPr lang="de-CH" dirty="0" err="1"/>
+              <a:t>should</a:t>
+            </a:r>
+            <a:r>
+              <a:rPr lang="de-CH" dirty="0"/>
+              <a:t> </a:t>
+            </a:r>
+            <a:r>
+              <a:rPr lang="de-CH" dirty="0" err="1"/>
+              <a:t>be</a:t>
+            </a:r>
+            <a:r>
+              <a:rPr lang="de-CH" dirty="0"/>
+              <a:t> </a:t>
+            </a:r>
+            <a:r>
+              <a:rPr lang="de-CH" dirty="0" err="1" smtClean="0"/>
+              <a:t>displayed</a:t>
+            </a:r>
+            <a:endParaRPr lang="de-CH" dirty="0"/>
           </a:p>
         </p:txBody>
       </p:sp>
@@ -5086,10 +6282,10 @@
           <a:lstStyle/>
           <a:p>
             <a:r>
-              <a:rPr lang="de-CH" smtClean="0"/>
+              <a:rPr lang="de-DE" smtClean="0"/>
               <a:t>13.04.2015</a:t>
             </a:r>
-            <a:endParaRPr lang="de-CH"/>
+            <a:endParaRPr lang="de-CH" dirty="0"/>
           </a:p>
         </p:txBody>
       </p:sp>
@@ -5109,10 +6305,18 @@
           <a:lstStyle/>
           <a:p>
             <a:r>
-              <a:rPr lang="en-US" smtClean="0"/>
-              <a:t>TSM_MobOp Augmented City Finder: Nils Frey, Lucas Graf, Thomas Strebel</a:t>
-            </a:r>
-            <a:endParaRPr lang="de-CH"/>
+              <a:rPr lang="de-CH" dirty="0" smtClean="0"/>
+              <a:t>ACF: Nils Frey, Lucas Graf </a:t>
+            </a:r>
+            <a:r>
+              <a:rPr lang="de-CH" dirty="0" err="1" smtClean="0"/>
+              <a:t>and</a:t>
+            </a:r>
+            <a:r>
+              <a:rPr lang="de-CH" dirty="0" smtClean="0"/>
+              <a:t> Thomas Strebel</a:t>
+            </a:r>
+            <a:endParaRPr lang="de-CH" dirty="0"/>
           </a:p>
         </p:txBody>
       </p:sp>
@@ -5131,7 +6335,7 @@
           <a:bodyPr/>
           <a:lstStyle/>
           <a:p>
-            <a:fld id="{0FC02E39-DF30-4134-BCDF-AD4758630250}" type="slidenum">
+            <a:fld id="{38534A16-F4EA-42C1-9196-9164AB5EF764}" type="slidenum">
               <a:rPr lang="de-CH" smtClean="0"/>
               <a:t>2</a:t>
             </a:fld>
@@ -5139,10 +6343,60 @@
           </a:p>
         </p:txBody>
       </p:sp>
+      <p:sp>
+        <p:nvSpPr>
+          <p:cNvPr id="7" name="TextBox 6"/>
+          <p:cNvSpPr txBox="1"/>
+          <p:nvPr/>
+        </p:nvSpPr>
+        <p:spPr>
+          <a:xfrm>
+            <a:off x="8028432" y="2724912"/>
+            <a:ext cx="4151649" cy="369332"/>
+          </a:xfrm>
+          <a:prstGeom prst="rect">
+            <a:avLst/>
+          </a:prstGeom>
+          <a:noFill/>
+        </p:spPr>
+        <p:txBody>
+          <a:bodyPr wrap="none" rtlCol="0">
+            <a:spAutoFit/>
+          </a:bodyPr>
+          <a:lstStyle/>
+          <a:p>
+            <a:r>
+              <a:rPr lang="de-CH" dirty="0" smtClean="0"/>
+              <a:t>TO BE DONE: Insert </a:t>
+            </a:r>
+            <a:r>
+              <a:rPr lang="de-CH" dirty="0" err="1" smtClean="0"/>
+              <a:t>PrintScreen</a:t>
+            </a:r>
+            <a:r>
+              <a:rPr lang="de-CH" dirty="0" smtClean="0"/>
+              <a:t> </a:t>
+            </a:r>
+            <a:r>
+              <a:rPr lang="de-CH" dirty="0" err="1" smtClean="0"/>
+              <a:t>with</a:t>
+            </a:r>
+            <a:r>
+              <a:rPr lang="de-CH" dirty="0" smtClean="0"/>
+              <a:t> a </a:t>
+            </a:r>
+            <a:r>
+              <a:rPr lang="de-CH" dirty="0" err="1" smtClean="0"/>
+              <a:t>city</a:t>
+            </a:r>
+            <a:endParaRPr lang="de-CH" dirty="0"/>
+          </a:p>
+        </p:txBody>
+      </p:sp>
     </p:spTree>
     <p:extLst>
       <p:ext uri="{BB962C8B-B14F-4D97-AF65-F5344CB8AC3E}">
-        <p14:creationId xmlns:p14="http://schemas.microsoft.com/office/powerpoint/2010/main" val="895946341"/>
+        <p14:creationId xmlns:p14="http://schemas.microsoft.com/office/powerpoint/2010/main" val="984271308"/>
       </p:ext>
     </p:extLst>
   </p:cSld>
@@ -5192,11 +6446,11 @@
           <a:lstStyle/>
           <a:p>
             <a:r>
-              <a:rPr lang="en-US" dirty="0" smtClean="0"/>
+              <a:rPr lang="en-US" dirty="0"/>
               <a:t>Introduction</a:t>
             </a:r>
             <a:r>
-              <a:rPr lang="de-CH" dirty="0" smtClean="0"/>
+              <a:rPr lang="de-CH" dirty="0"/>
               <a:t> - Motivation</a:t>
             </a:r>
             <a:endParaRPr lang="de-CH" dirty="0"/>
@@ -5215,21 +6469,548 @@
         </p:nvSpPr>
         <p:spPr/>
         <p:txBody>
-          <a:bodyPr/>
-          <a:lstStyle/>
-          <a:p>
+          <a:bodyPr>
+            <a:normAutofit/>
+          </a:bodyPr>
+          <a:lstStyle/>
+          <a:p>
+            <a:pPr>
+              <a:buFont typeface="Arial" panose="020B0604020202020204" pitchFamily="34" charset="0"/>
+              <a:buChar char="•"/>
+            </a:pPr>
+            <a:r>
+              <a:rPr lang="de-CH" dirty="0"/>
+              <a:t> </a:t>
+            </a:r>
+            <a:r>
+              <a:rPr lang="de-CH" dirty="0" err="1" smtClean="0"/>
+              <a:t>For</a:t>
+            </a:r>
+            <a:r>
+              <a:rPr lang="de-CH" dirty="0" smtClean="0"/>
+              <a:t> </a:t>
+            </a:r>
+            <a:r>
+              <a:rPr lang="de-CH" dirty="0" err="1" smtClean="0"/>
+              <a:t>the</a:t>
+            </a:r>
+            <a:r>
+              <a:rPr lang="de-CH" dirty="0" smtClean="0"/>
+              <a:t> </a:t>
+            </a:r>
+            <a:r>
+              <a:rPr lang="de-CH" dirty="0" err="1" smtClean="0"/>
+              <a:t>user</a:t>
+            </a:r>
+            <a:endParaRPr lang="de-CH" dirty="0" smtClean="0"/>
+          </a:p>
+          <a:p>
+            <a:pPr lvl="1">
+              <a:buFont typeface="Arial" panose="020B0604020202020204" pitchFamily="34" charset="0"/>
+              <a:buChar char="•"/>
+            </a:pPr>
+            <a:r>
+              <a:rPr lang="de-CH" dirty="0" smtClean="0"/>
+              <a:t>Funny App</a:t>
+            </a:r>
+          </a:p>
+          <a:p>
+            <a:pPr lvl="1">
+              <a:buFont typeface="Arial" panose="020B0604020202020204" pitchFamily="34" charset="0"/>
+              <a:buChar char="•"/>
+            </a:pPr>
+            <a:r>
+              <a:rPr lang="de-CH" dirty="0" err="1" smtClean="0"/>
+              <a:t>Informational</a:t>
+            </a:r>
+            <a:r>
+              <a:rPr lang="de-CH" dirty="0" smtClean="0"/>
+              <a:t> App</a:t>
+            </a:r>
+          </a:p>
+          <a:p>
+            <a:pPr lvl="1">
+              <a:buFont typeface="Arial" panose="020B0604020202020204" pitchFamily="34" charset="0"/>
+              <a:buChar char="•"/>
+            </a:pPr>
+            <a:r>
+              <a:rPr lang="de-CH" dirty="0" smtClean="0"/>
+              <a:t>Display </a:t>
+            </a:r>
+            <a:r>
+              <a:rPr lang="de-CH" dirty="0" err="1" smtClean="0"/>
+              <a:t>information</a:t>
+            </a:r>
+            <a:r>
+              <a:rPr lang="de-CH" dirty="0" smtClean="0"/>
+              <a:t> </a:t>
+            </a:r>
+            <a:r>
+              <a:rPr lang="de-CH" dirty="0" err="1" smtClean="0"/>
+              <a:t>the</a:t>
+            </a:r>
+            <a:r>
+              <a:rPr lang="de-CH" dirty="0" smtClean="0"/>
+              <a:t> </a:t>
+            </a:r>
+            <a:r>
+              <a:rPr lang="de-CH" dirty="0" err="1" smtClean="0"/>
+              <a:t>user</a:t>
+            </a:r>
+            <a:r>
+              <a:rPr lang="de-CH" dirty="0" smtClean="0"/>
+              <a:t> </a:t>
+            </a:r>
+            <a:r>
+              <a:rPr lang="de-CH" dirty="0" err="1" smtClean="0"/>
+              <a:t>is</a:t>
+            </a:r>
+            <a:r>
+              <a:rPr lang="de-CH" dirty="0" smtClean="0"/>
+              <a:t> </a:t>
+            </a:r>
+            <a:r>
+              <a:rPr lang="de-CH" dirty="0" err="1" smtClean="0"/>
+              <a:t>interested</a:t>
+            </a:r>
+            <a:r>
+              <a:rPr lang="de-CH" dirty="0" smtClean="0"/>
+              <a:t> in</a:t>
+            </a:r>
+            <a:endParaRPr lang="de-CH" dirty="0"/>
+          </a:p>
+          <a:p>
+            <a:pPr>
+              <a:buFont typeface="Arial" panose="020B0604020202020204" pitchFamily="34" charset="0"/>
+              <a:buChar char="•"/>
+            </a:pPr>
+            <a:r>
+              <a:rPr lang="de-CH" dirty="0" err="1" smtClean="0"/>
+              <a:t>For</a:t>
+            </a:r>
+            <a:r>
+              <a:rPr lang="de-CH" dirty="0" smtClean="0"/>
+              <a:t> </a:t>
+            </a:r>
+            <a:r>
+              <a:rPr lang="de-CH" dirty="0" err="1" smtClean="0"/>
+              <a:t>the</a:t>
+            </a:r>
+            <a:r>
+              <a:rPr lang="de-CH" dirty="0" smtClean="0"/>
+              <a:t> App </a:t>
+            </a:r>
+            <a:r>
+              <a:rPr lang="de-CH" dirty="0" err="1" smtClean="0"/>
+              <a:t>provider</a:t>
+            </a:r>
+            <a:endParaRPr lang="de-CH" dirty="0" smtClean="0"/>
+          </a:p>
+          <a:p>
+            <a:pPr lvl="1">
+              <a:buFont typeface="Arial" panose="020B0604020202020204" pitchFamily="34" charset="0"/>
+              <a:buChar char="•"/>
+            </a:pPr>
+            <a:r>
+              <a:rPr lang="de-CH" dirty="0" err="1" smtClean="0"/>
+              <a:t>Knows</a:t>
+            </a:r>
+            <a:r>
+              <a:rPr lang="de-CH" dirty="0" smtClean="0"/>
+              <a:t> </a:t>
+            </a:r>
+            <a:r>
+              <a:rPr lang="de-CH" dirty="0" err="1" smtClean="0"/>
+              <a:t>its</a:t>
+            </a:r>
+            <a:r>
+              <a:rPr lang="de-CH" dirty="0" smtClean="0"/>
+              <a:t> </a:t>
+            </a:r>
+            <a:r>
+              <a:rPr lang="de-CH" dirty="0" err="1" smtClean="0"/>
+              <a:t>users</a:t>
+            </a:r>
+            <a:endParaRPr lang="de-CH" dirty="0" smtClean="0"/>
+          </a:p>
+          <a:p>
+            <a:pPr lvl="2">
+              <a:buFont typeface="Arial" panose="020B0604020202020204" pitchFamily="34" charset="0"/>
+              <a:buChar char="•"/>
+            </a:pPr>
+            <a:r>
+              <a:rPr lang="de-CH" dirty="0" smtClean="0"/>
+              <a:t>Device </a:t>
+            </a:r>
+            <a:r>
+              <a:rPr lang="de-CH" dirty="0" err="1" smtClean="0"/>
+              <a:t>location</a:t>
+            </a:r>
+            <a:r>
+              <a:rPr lang="de-CH" dirty="0" smtClean="0"/>
+              <a:t> will </a:t>
+            </a:r>
+            <a:r>
+              <a:rPr lang="de-CH" dirty="0" err="1" smtClean="0"/>
+              <a:t>be</a:t>
+            </a:r>
+            <a:r>
+              <a:rPr lang="de-CH" dirty="0" smtClean="0"/>
+              <a:t> </a:t>
+            </a:r>
+            <a:r>
+              <a:rPr lang="de-CH" dirty="0" err="1" smtClean="0"/>
+              <a:t>sent</a:t>
+            </a:r>
+            <a:r>
+              <a:rPr lang="de-CH" dirty="0" smtClean="0"/>
+              <a:t> </a:t>
+            </a:r>
+            <a:r>
+              <a:rPr lang="de-CH" dirty="0" err="1" smtClean="0"/>
+              <a:t>to</a:t>
+            </a:r>
+            <a:r>
+              <a:rPr lang="de-CH" dirty="0" smtClean="0"/>
+              <a:t> </a:t>
+            </a:r>
+            <a:r>
+              <a:rPr lang="de-CH" dirty="0" err="1" smtClean="0"/>
+              <a:t>the</a:t>
+            </a:r>
+            <a:r>
+              <a:rPr lang="de-CH" dirty="0" smtClean="0"/>
+              <a:t> </a:t>
+            </a:r>
+            <a:r>
+              <a:rPr lang="de-CH" dirty="0" err="1" smtClean="0"/>
+              <a:t>server</a:t>
+            </a:r>
+            <a:endParaRPr lang="de-CH" dirty="0" smtClean="0"/>
+          </a:p>
+          <a:p>
+            <a:pPr lvl="1">
+              <a:buFont typeface="Arial" panose="020B0604020202020204" pitchFamily="34" charset="0"/>
+              <a:buChar char="•"/>
+            </a:pPr>
+            <a:r>
+              <a:rPr lang="de-CH" dirty="0" err="1" smtClean="0"/>
+              <a:t>Knows</a:t>
+            </a:r>
+            <a:r>
+              <a:rPr lang="de-CH" dirty="0" smtClean="0"/>
+              <a:t> </a:t>
+            </a:r>
+            <a:r>
+              <a:rPr lang="de-CH" dirty="0" err="1" smtClean="0"/>
+              <a:t>the</a:t>
+            </a:r>
+            <a:r>
+              <a:rPr lang="de-CH" dirty="0" smtClean="0"/>
+              <a:t> </a:t>
+            </a:r>
+            <a:r>
+              <a:rPr lang="de-CH" dirty="0" err="1" smtClean="0"/>
+              <a:t>interests</a:t>
+            </a:r>
+            <a:r>
+              <a:rPr lang="de-CH" dirty="0" smtClean="0"/>
+              <a:t> </a:t>
+            </a:r>
+            <a:r>
+              <a:rPr lang="de-CH" dirty="0" err="1" smtClean="0"/>
+              <a:t>of</a:t>
+            </a:r>
+            <a:r>
+              <a:rPr lang="de-CH" dirty="0" smtClean="0"/>
+              <a:t> </a:t>
+            </a:r>
+            <a:r>
+              <a:rPr lang="de-CH" dirty="0" err="1" smtClean="0"/>
+              <a:t>its</a:t>
+            </a:r>
+            <a:r>
+              <a:rPr lang="de-CH" dirty="0" smtClean="0"/>
+              <a:t> </a:t>
+            </a:r>
+            <a:r>
+              <a:rPr lang="de-CH" dirty="0" err="1" smtClean="0"/>
+              <a:t>users</a:t>
+            </a:r>
+            <a:endParaRPr lang="de-CH" dirty="0" smtClean="0"/>
+          </a:p>
+          <a:p>
+            <a:pPr lvl="2">
+              <a:buFont typeface="Arial" panose="020B0604020202020204" pitchFamily="34" charset="0"/>
+              <a:buChar char="•"/>
+            </a:pPr>
+            <a:r>
+              <a:rPr lang="de-CH" dirty="0" err="1" smtClean="0"/>
+              <a:t>Added</a:t>
+            </a:r>
+            <a:r>
+              <a:rPr lang="de-CH" dirty="0" smtClean="0"/>
+              <a:t> </a:t>
+            </a:r>
+            <a:r>
+              <a:rPr lang="de-CH" dirty="0" err="1"/>
+              <a:t>cities</a:t>
+            </a:r>
+            <a:r>
+              <a:rPr lang="de-CH" dirty="0"/>
+              <a:t>, </a:t>
+            </a:r>
+            <a:r>
+              <a:rPr lang="de-CH" dirty="0" err="1"/>
+              <a:t>city</a:t>
+            </a:r>
+            <a:r>
+              <a:rPr lang="de-CH" dirty="0"/>
+              <a:t> </a:t>
+            </a:r>
+            <a:r>
+              <a:rPr lang="de-CH" dirty="0" err="1" smtClean="0"/>
+              <a:t>groups</a:t>
+            </a:r>
+            <a:r>
+              <a:rPr lang="de-CH" dirty="0" smtClean="0"/>
+              <a:t> </a:t>
+            </a:r>
+            <a:r>
+              <a:rPr lang="de-CH" dirty="0" err="1" smtClean="0"/>
+              <a:t>and</a:t>
+            </a:r>
+            <a:r>
+              <a:rPr lang="de-CH" dirty="0" smtClean="0"/>
+              <a:t> </a:t>
+            </a:r>
+            <a:r>
+              <a:rPr lang="de-CH" dirty="0" err="1" smtClean="0"/>
+              <a:t>displayed</a:t>
+            </a:r>
+            <a:r>
+              <a:rPr lang="de-CH" dirty="0" smtClean="0"/>
+              <a:t> </a:t>
+            </a:r>
+            <a:r>
+              <a:rPr lang="de-CH" dirty="0" err="1" smtClean="0"/>
+              <a:t>information</a:t>
+            </a:r>
+            <a:r>
+              <a:rPr lang="de-CH" dirty="0" smtClean="0"/>
+              <a:t> </a:t>
+            </a:r>
+            <a:r>
+              <a:rPr lang="de-CH" dirty="0"/>
+              <a:t>will </a:t>
+            </a:r>
+            <a:r>
+              <a:rPr lang="de-CH" dirty="0" err="1"/>
+              <a:t>be</a:t>
+            </a:r>
+            <a:r>
+              <a:rPr lang="de-CH" dirty="0"/>
+              <a:t> </a:t>
+            </a:r>
+            <a:r>
+              <a:rPr lang="de-CH" dirty="0" err="1"/>
+              <a:t>sent</a:t>
+            </a:r>
+            <a:r>
+              <a:rPr lang="de-CH" dirty="0"/>
+              <a:t> </a:t>
+            </a:r>
+            <a:r>
+              <a:rPr lang="de-CH" dirty="0" err="1"/>
+              <a:t>to</a:t>
+            </a:r>
+            <a:r>
+              <a:rPr lang="de-CH" dirty="0"/>
+              <a:t> </a:t>
+            </a:r>
+            <a:r>
+              <a:rPr lang="de-CH" dirty="0" err="1"/>
+              <a:t>the</a:t>
+            </a:r>
+            <a:r>
+              <a:rPr lang="de-CH" dirty="0"/>
+              <a:t> </a:t>
+            </a:r>
+            <a:r>
+              <a:rPr lang="de-CH" dirty="0" err="1" smtClean="0"/>
+              <a:t>server</a:t>
+            </a:r>
+            <a:endParaRPr lang="de-CH" dirty="0" smtClean="0"/>
+          </a:p>
+          <a:p>
+            <a:pPr lvl="1">
+              <a:buFont typeface="Arial" panose="020B0604020202020204" pitchFamily="34" charset="0"/>
+              <a:buChar char="•"/>
+            </a:pPr>
+            <a:r>
+              <a:rPr lang="de-CH" dirty="0" err="1" smtClean="0"/>
+              <a:t>Knows</a:t>
+            </a:r>
+            <a:r>
+              <a:rPr lang="de-CH" dirty="0" smtClean="0"/>
+              <a:t> </a:t>
+            </a:r>
+            <a:r>
+              <a:rPr lang="de-CH" dirty="0" err="1" smtClean="0"/>
+              <a:t>the</a:t>
+            </a:r>
+            <a:r>
+              <a:rPr lang="de-CH" dirty="0" smtClean="0"/>
+              <a:t> </a:t>
+            </a:r>
+            <a:r>
+              <a:rPr lang="de-CH" dirty="0" err="1" smtClean="0"/>
+              <a:t>behaviour</a:t>
+            </a:r>
+            <a:r>
+              <a:rPr lang="de-CH" dirty="0" smtClean="0"/>
+              <a:t> </a:t>
+            </a:r>
+            <a:r>
+              <a:rPr lang="de-CH" dirty="0" err="1" smtClean="0"/>
+              <a:t>of</a:t>
+            </a:r>
+            <a:r>
+              <a:rPr lang="de-CH" dirty="0" smtClean="0"/>
+              <a:t> </a:t>
+            </a:r>
+            <a:r>
+              <a:rPr lang="de-CH" dirty="0" err="1" smtClean="0"/>
+              <a:t>its</a:t>
+            </a:r>
+            <a:r>
+              <a:rPr lang="de-CH" dirty="0" smtClean="0"/>
+              <a:t> </a:t>
+            </a:r>
+            <a:r>
+              <a:rPr lang="de-CH" dirty="0" err="1" smtClean="0"/>
+              <a:t>users</a:t>
+            </a:r>
+            <a:endParaRPr lang="de-CH" dirty="0"/>
+          </a:p>
+          <a:p>
+            <a:pPr lvl="2">
+              <a:buFont typeface="Arial" panose="020B0604020202020204" pitchFamily="34" charset="0"/>
+              <a:buChar char="•"/>
+            </a:pPr>
+            <a:r>
+              <a:rPr lang="de-CH" dirty="0" smtClean="0"/>
+              <a:t> </a:t>
+            </a:r>
+            <a:r>
+              <a:rPr lang="de-CH" dirty="0" err="1"/>
+              <a:t>city</a:t>
+            </a:r>
+            <a:r>
+              <a:rPr lang="de-CH" dirty="0"/>
+              <a:t> taps will </a:t>
+            </a:r>
+            <a:r>
+              <a:rPr lang="de-CH" dirty="0" err="1"/>
+              <a:t>be</a:t>
+            </a:r>
+            <a:r>
+              <a:rPr lang="de-CH" dirty="0"/>
+              <a:t> </a:t>
+            </a:r>
+            <a:r>
+              <a:rPr lang="de-CH" dirty="0" err="1"/>
+              <a:t>sent</a:t>
+            </a:r>
+            <a:r>
+              <a:rPr lang="de-CH" dirty="0"/>
+              <a:t> </a:t>
+            </a:r>
+            <a:r>
+              <a:rPr lang="de-CH" dirty="0" err="1"/>
+              <a:t>to</a:t>
+            </a:r>
+            <a:r>
+              <a:rPr lang="de-CH" dirty="0"/>
+              <a:t> </a:t>
+            </a:r>
+            <a:r>
+              <a:rPr lang="de-CH" dirty="0" err="1" smtClean="0"/>
+              <a:t>server</a:t>
+            </a:r>
+            <a:endParaRPr lang="de-CH" dirty="0" smtClean="0"/>
+          </a:p>
+          <a:p>
+            <a:pPr lvl="1">
+              <a:buFont typeface="Arial" panose="020B0604020202020204" pitchFamily="34" charset="0"/>
+              <a:buChar char="•"/>
+            </a:pPr>
+            <a:r>
+              <a:rPr lang="de-CH" b="1" dirty="0" smtClean="0"/>
+              <a:t>Can </a:t>
+            </a:r>
+            <a:r>
+              <a:rPr lang="de-CH" b="1" dirty="0" err="1" smtClean="0"/>
+              <a:t>display</a:t>
+            </a:r>
+            <a:r>
+              <a:rPr lang="de-CH" b="1" dirty="0" smtClean="0"/>
+              <a:t> </a:t>
+            </a:r>
+            <a:r>
+              <a:rPr lang="de-CH" b="1" dirty="0" err="1" smtClean="0"/>
+              <a:t>specific</a:t>
+            </a:r>
+            <a:r>
+              <a:rPr lang="de-CH" b="1" dirty="0" smtClean="0"/>
+              <a:t> </a:t>
+            </a:r>
+            <a:r>
+              <a:rPr lang="de-CH" b="1" dirty="0" err="1" smtClean="0"/>
+              <a:t>advertisement</a:t>
+            </a:r>
+            <a:endParaRPr lang="de-CH" b="1" dirty="0"/>
+          </a:p>
+          <a:p>
+            <a:pPr lvl="1">
+              <a:buFont typeface="Arial" panose="020B0604020202020204" pitchFamily="34" charset="0"/>
+              <a:buChar char="•"/>
+            </a:pPr>
+            <a:endParaRPr lang="de-CH" dirty="0" smtClean="0"/>
+          </a:p>
+        </p:txBody>
+      </p:sp>
+      <p:sp>
+        <p:nvSpPr>
+          <p:cNvPr id="4" name="Date Placeholder 3"/>
+          <p:cNvSpPr>
+            <a:spLocks noGrp="1"/>
+          </p:cNvSpPr>
+          <p:nvPr>
+            <p:ph type="dt" sz="half" idx="10"/>
+          </p:nvPr>
+        </p:nvSpPr>
+        <p:spPr/>
+        <p:txBody>
+          <a:bodyPr/>
+          <a:lstStyle/>
+          <a:p>
+            <a:r>
+              <a:rPr lang="de-DE" smtClean="0"/>
+              <a:t>13.04.2015</a:t>
+            </a:r>
             <a:endParaRPr lang="de-CH"/>
           </a:p>
         </p:txBody>
       </p:sp>
       <p:sp>
         <p:nvSpPr>
-          <p:cNvPr id="4" name="Date Placeholder 3"/>
-          <p:cNvSpPr>
-            <a:spLocks noGrp="1"/>
-          </p:cNvSpPr>
-          <p:nvPr>
-            <p:ph type="dt" sz="half" idx="10"/>
+          <p:cNvPr id="5" name="Footer Placeholder 4"/>
+          <p:cNvSpPr>
+            <a:spLocks noGrp="1"/>
+          </p:cNvSpPr>
+          <p:nvPr>
+            <p:ph type="ftr" sz="quarter" idx="11"/>
           </p:nvPr>
         </p:nvSpPr>
         <p:spPr/>
@@ -5238,8 +7019,8 @@
           <a:lstStyle/>
           <a:p>
             <a:r>
-              <a:rPr lang="de-CH" smtClean="0"/>
-              <a:t>13.04.2015</a:t>
+              <a:rPr lang="en-US" smtClean="0"/>
+              <a:t>ACF: Nils Frey, Lucas Graf and Thomas Strebel</a:t>
             </a:r>
             <a:endParaRPr lang="de-CH"/>
           </a:p>
@@ -5247,12 +7028,12 @@
       </p:sp>
       <p:sp>
         <p:nvSpPr>
-          <p:cNvPr id="5" name="Footer Placeholder 4"/>
-          <p:cNvSpPr>
-            <a:spLocks noGrp="1"/>
-          </p:cNvSpPr>
-          <p:nvPr>
-            <p:ph type="ftr" sz="quarter" idx="11"/>
+          <p:cNvPr id="6" name="Slide Number Placeholder 5"/>
+          <p:cNvSpPr>
+            <a:spLocks noGrp="1"/>
+          </p:cNvSpPr>
+          <p:nvPr>
+            <p:ph type="sldNum" sz="quarter" idx="12"/>
           </p:nvPr>
         </p:nvSpPr>
         <p:spPr/>
@@ -5260,45 +7041,18 @@
           <a:bodyPr/>
           <a:lstStyle/>
           <a:p>
-            <a:r>
-              <a:rPr lang="en-US" dirty="0" smtClean="0"/>
-              <a:t>Augmented City Finder: Nils Frey, Lucas Graf, Thomas </a:t>
-            </a:r>
-            <a:r>
-              <a:rPr lang="en-US" dirty="0" err="1" smtClean="0"/>
-              <a:t>Strebel</a:t>
-            </a:r>
-            <a:endParaRPr lang="de-CH" dirty="0"/>
-          </a:p>
-        </p:txBody>
-      </p:sp>
-      <p:sp>
-        <p:nvSpPr>
-          <p:cNvPr id="6" name="Slide Number Placeholder 5"/>
-          <p:cNvSpPr>
-            <a:spLocks noGrp="1"/>
-          </p:cNvSpPr>
-          <p:nvPr>
-            <p:ph type="sldNum" sz="quarter" idx="12"/>
-          </p:nvPr>
-        </p:nvSpPr>
-        <p:spPr/>
-        <p:txBody>
-          <a:bodyPr/>
-          <a:lstStyle/>
-          <a:p>
-            <a:fld id="{0FC02E39-DF30-4134-BCDF-AD4758630250}" type="slidenum">
+            <a:fld id="{38534A16-F4EA-42C1-9196-9164AB5EF764}" type="slidenum">
               <a:rPr lang="de-CH" smtClean="0"/>
               <a:t>3</a:t>
             </a:fld>
-            <a:endParaRPr lang="de-CH" dirty="0"/>
+            <a:endParaRPr lang="de-CH"/>
           </a:p>
         </p:txBody>
       </p:sp>
     </p:spTree>
     <p:extLst>
       <p:ext uri="{BB962C8B-B14F-4D97-AF65-F5344CB8AC3E}">
-        <p14:creationId xmlns:p14="http://schemas.microsoft.com/office/powerpoint/2010/main" val="2008447150"/>
+        <p14:creationId xmlns:p14="http://schemas.microsoft.com/office/powerpoint/2010/main" val="2777793764"/>
       </p:ext>
     </p:extLst>
   </p:cSld>
@@ -5353,14 +7107,10 @@
             </a:r>
             <a:r>
               <a:rPr lang="de-CH" dirty="0"/>
-              <a:t> </a:t>
-            </a:r>
-            <a:r>
-              <a:rPr lang="de-CH" dirty="0" smtClean="0"/>
-              <a:t>– Goal </a:t>
-            </a:r>
-            <a:r>
-              <a:rPr lang="de-CH" dirty="0" err="1" smtClean="0"/>
+              <a:t> – Goal </a:t>
+            </a:r>
+            <a:r>
+              <a:rPr lang="de-CH" dirty="0" err="1"/>
               <a:t>statement</a:t>
             </a:r>
             <a:endParaRPr lang="de-CH" dirty="0"/>
@@ -5382,18 +7132,518 @@
           <a:bodyPr/>
           <a:lstStyle/>
           <a:p>
+            <a:pPr>
+              <a:buFont typeface="Arial" panose="020B0604020202020204" pitchFamily="34" charset="0"/>
+              <a:buChar char="•"/>
+            </a:pPr>
+            <a:r>
+              <a:rPr lang="de-CH" dirty="0" smtClean="0"/>
+              <a:t> </a:t>
+            </a:r>
+            <a:r>
+              <a:rPr lang="de-CH" dirty="0" smtClean="0"/>
+              <a:t>Time </a:t>
+            </a:r>
+            <a:r>
+              <a:rPr lang="de-CH" dirty="0" err="1" smtClean="0"/>
+              <a:t>budget</a:t>
+            </a:r>
+            <a:r>
+              <a:rPr lang="de-CH" dirty="0" smtClean="0"/>
+              <a:t>: 3 * 30h = 90h</a:t>
+            </a:r>
+          </a:p>
+          <a:p>
+            <a:pPr>
+              <a:buFont typeface="Arial" panose="020B0604020202020204" pitchFamily="34" charset="0"/>
+              <a:buChar char="•"/>
+            </a:pPr>
+            <a:r>
+              <a:rPr lang="de-CH" dirty="0"/>
+              <a:t> </a:t>
+            </a:r>
+            <a:r>
+              <a:rPr lang="de-CH" dirty="0" err="1" smtClean="0"/>
+              <a:t>Only</a:t>
+            </a:r>
+            <a:r>
+              <a:rPr lang="de-CH" dirty="0" smtClean="0"/>
+              <a:t> limited </a:t>
+            </a:r>
+            <a:r>
+              <a:rPr lang="de-CH" dirty="0" err="1" smtClean="0"/>
+              <a:t>functionality</a:t>
+            </a:r>
+            <a:endParaRPr lang="de-CH" dirty="0" smtClean="0"/>
+          </a:p>
+          <a:p>
+            <a:pPr lvl="1">
+              <a:buFont typeface="Arial" panose="020B0604020202020204" pitchFamily="34" charset="0"/>
+              <a:buChar char="•"/>
+            </a:pPr>
+            <a:r>
+              <a:rPr lang="de-CH" dirty="0" smtClean="0"/>
+              <a:t>Add, </a:t>
+            </a:r>
+            <a:r>
+              <a:rPr lang="de-CH" dirty="0" err="1" smtClean="0"/>
+              <a:t>edit</a:t>
+            </a:r>
+            <a:r>
+              <a:rPr lang="de-CH" dirty="0" smtClean="0"/>
+              <a:t> </a:t>
+            </a:r>
+            <a:r>
+              <a:rPr lang="de-CH" dirty="0" err="1" smtClean="0"/>
+              <a:t>and</a:t>
+            </a:r>
+            <a:r>
+              <a:rPr lang="de-CH" dirty="0" smtClean="0"/>
+              <a:t> </a:t>
+            </a:r>
+            <a:r>
+              <a:rPr lang="de-CH" dirty="0" err="1" smtClean="0"/>
+              <a:t>delete</a:t>
+            </a:r>
+            <a:r>
+              <a:rPr lang="de-CH" dirty="0" smtClean="0"/>
+              <a:t> </a:t>
+            </a:r>
+            <a:r>
+              <a:rPr lang="de-CH" dirty="0" err="1" smtClean="0"/>
+              <a:t>new</a:t>
+            </a:r>
+            <a:r>
+              <a:rPr lang="de-CH" dirty="0" smtClean="0"/>
+              <a:t> </a:t>
+            </a:r>
+            <a:r>
+              <a:rPr lang="de-CH" dirty="0" err="1" smtClean="0"/>
+              <a:t>cities</a:t>
+            </a:r>
+            <a:r>
+              <a:rPr lang="de-CH" dirty="0" smtClean="0"/>
+              <a:t> </a:t>
+            </a:r>
+            <a:r>
+              <a:rPr lang="de-CH" dirty="0" err="1" smtClean="0"/>
+              <a:t>and</a:t>
+            </a:r>
+            <a:r>
+              <a:rPr lang="de-CH" dirty="0" smtClean="0"/>
+              <a:t> </a:t>
+            </a:r>
+            <a:r>
+              <a:rPr lang="de-CH" dirty="0" err="1" smtClean="0"/>
+              <a:t>groups</a:t>
+            </a:r>
+            <a:endParaRPr lang="de-CH" dirty="0" smtClean="0"/>
+          </a:p>
+          <a:p>
+            <a:pPr lvl="1">
+              <a:buFont typeface="Arial" panose="020B0604020202020204" pitchFamily="34" charset="0"/>
+              <a:buChar char="•"/>
+            </a:pPr>
+            <a:r>
+              <a:rPr lang="de-CH" dirty="0" err="1" smtClean="0"/>
+              <a:t>Get</a:t>
+            </a:r>
+            <a:r>
+              <a:rPr lang="de-CH" dirty="0" smtClean="0"/>
+              <a:t> </a:t>
+            </a:r>
+            <a:r>
+              <a:rPr lang="de-CH" dirty="0" err="1" smtClean="0"/>
+              <a:t>the</a:t>
+            </a:r>
+            <a:r>
+              <a:rPr lang="de-CH" dirty="0" smtClean="0"/>
+              <a:t> </a:t>
+            </a:r>
+            <a:r>
+              <a:rPr lang="de-CH" dirty="0" err="1" smtClean="0"/>
+              <a:t>current</a:t>
+            </a:r>
+            <a:r>
+              <a:rPr lang="de-CH" dirty="0" smtClean="0"/>
+              <a:t> </a:t>
+            </a:r>
+            <a:r>
+              <a:rPr lang="de-CH" dirty="0" err="1" smtClean="0"/>
+              <a:t>device</a:t>
+            </a:r>
+            <a:r>
+              <a:rPr lang="de-CH" dirty="0" smtClean="0"/>
+              <a:t> </a:t>
+            </a:r>
+            <a:r>
+              <a:rPr lang="de-CH" dirty="0" err="1" smtClean="0"/>
+              <a:t>location</a:t>
+            </a:r>
+            <a:endParaRPr lang="de-CH" dirty="0" smtClean="0"/>
+          </a:p>
+          <a:p>
+            <a:pPr lvl="1">
+              <a:buFont typeface="Arial" panose="020B0604020202020204" pitchFamily="34" charset="0"/>
+              <a:buChar char="•"/>
+            </a:pPr>
+            <a:r>
+              <a:rPr lang="de-CH" dirty="0" err="1" smtClean="0"/>
+              <a:t>Calculate</a:t>
+            </a:r>
+            <a:r>
+              <a:rPr lang="de-CH" dirty="0" smtClean="0"/>
+              <a:t> </a:t>
+            </a:r>
+            <a:r>
+              <a:rPr lang="de-CH" dirty="0" err="1" smtClean="0"/>
+              <a:t>the</a:t>
+            </a:r>
+            <a:r>
+              <a:rPr lang="de-CH" dirty="0" smtClean="0"/>
+              <a:t> </a:t>
+            </a:r>
+            <a:r>
+              <a:rPr lang="de-CH" dirty="0" err="1" smtClean="0"/>
+              <a:t>distance</a:t>
+            </a:r>
+            <a:r>
+              <a:rPr lang="de-CH" dirty="0" smtClean="0"/>
+              <a:t> </a:t>
+            </a:r>
+            <a:r>
+              <a:rPr lang="de-CH" dirty="0" err="1" smtClean="0"/>
+              <a:t>to</a:t>
+            </a:r>
+            <a:r>
+              <a:rPr lang="de-CH" dirty="0" smtClean="0"/>
+              <a:t> </a:t>
+            </a:r>
+            <a:r>
+              <a:rPr lang="de-CH" dirty="0" err="1" smtClean="0"/>
+              <a:t>the</a:t>
+            </a:r>
+            <a:r>
+              <a:rPr lang="de-CH" dirty="0" smtClean="0"/>
+              <a:t> </a:t>
+            </a:r>
+            <a:r>
+              <a:rPr lang="de-CH" dirty="0" err="1" smtClean="0"/>
+              <a:t>cities</a:t>
+            </a:r>
+            <a:endParaRPr lang="de-CH" dirty="0" smtClean="0"/>
+          </a:p>
+          <a:p>
+            <a:pPr lvl="1">
+              <a:buFont typeface="Arial" panose="020B0604020202020204" pitchFamily="34" charset="0"/>
+              <a:buChar char="•"/>
+            </a:pPr>
+            <a:r>
+              <a:rPr lang="de-CH" dirty="0" smtClean="0"/>
+              <a:t>Display </a:t>
+            </a:r>
+            <a:r>
+              <a:rPr lang="de-CH" dirty="0" err="1" smtClean="0"/>
+              <a:t>cities</a:t>
+            </a:r>
+            <a:r>
+              <a:rPr lang="de-CH" dirty="0" smtClean="0"/>
+              <a:t> </a:t>
+            </a:r>
+            <a:r>
+              <a:rPr lang="de-CH" dirty="0" err="1" smtClean="0"/>
+              <a:t>and</a:t>
+            </a:r>
+            <a:r>
+              <a:rPr lang="de-CH" dirty="0" smtClean="0"/>
+              <a:t> </a:t>
+            </a:r>
+            <a:r>
+              <a:rPr lang="de-CH" dirty="0" err="1" smtClean="0"/>
+              <a:t>distance</a:t>
+            </a:r>
+            <a:r>
+              <a:rPr lang="de-CH" dirty="0"/>
+              <a:t> </a:t>
+            </a:r>
+            <a:r>
+              <a:rPr lang="de-CH" dirty="0" err="1"/>
+              <a:t>directly</a:t>
+            </a:r>
+            <a:r>
+              <a:rPr lang="de-CH" dirty="0"/>
+              <a:t> in </a:t>
+            </a:r>
+            <a:r>
+              <a:rPr lang="de-CH" dirty="0" err="1"/>
+              <a:t>the</a:t>
+            </a:r>
+            <a:r>
+              <a:rPr lang="de-CH" dirty="0"/>
+              <a:t> </a:t>
+            </a:r>
+            <a:r>
+              <a:rPr lang="de-CH" dirty="0" err="1"/>
+              <a:t>camera</a:t>
+            </a:r>
+            <a:r>
+              <a:rPr lang="de-CH" dirty="0" smtClean="0"/>
+              <a:t> </a:t>
+            </a:r>
+            <a:r>
+              <a:rPr lang="de-CH" dirty="0" err="1" smtClean="0"/>
+              <a:t>depending</a:t>
+            </a:r>
+            <a:r>
+              <a:rPr lang="de-CH" dirty="0" smtClean="0"/>
+              <a:t> on </a:t>
+            </a:r>
+            <a:r>
+              <a:rPr lang="de-CH" dirty="0" err="1" smtClean="0"/>
+              <a:t>the</a:t>
+            </a:r>
+            <a:r>
+              <a:rPr lang="de-CH" dirty="0" smtClean="0"/>
+              <a:t> </a:t>
+            </a:r>
+            <a:r>
+              <a:rPr lang="de-CH" dirty="0" err="1" smtClean="0"/>
+              <a:t>device</a:t>
+            </a:r>
+            <a:r>
+              <a:rPr lang="de-CH" dirty="0" smtClean="0"/>
+              <a:t> </a:t>
+            </a:r>
+            <a:r>
+              <a:rPr lang="de-CH" dirty="0" err="1" smtClean="0"/>
+              <a:t>direction</a:t>
+            </a:r>
+            <a:endParaRPr lang="de-CH" dirty="0" smtClean="0"/>
+          </a:p>
+          <a:p>
+            <a:pPr lvl="1">
+              <a:buFont typeface="Arial" panose="020B0604020202020204" pitchFamily="34" charset="0"/>
+              <a:buChar char="•"/>
+            </a:pPr>
+            <a:r>
+              <a:rPr lang="de-CH" dirty="0" smtClean="0"/>
+              <a:t>Register taps on </a:t>
+            </a:r>
+            <a:r>
+              <a:rPr lang="de-CH" dirty="0" err="1" smtClean="0"/>
+              <a:t>cities</a:t>
+            </a:r>
+            <a:endParaRPr lang="de-CH" dirty="0" smtClean="0"/>
+          </a:p>
+          <a:p>
+            <a:pPr lvl="1">
+              <a:buFont typeface="Arial" panose="020B0604020202020204" pitchFamily="34" charset="0"/>
+              <a:buChar char="•"/>
+            </a:pPr>
+            <a:r>
+              <a:rPr lang="de-CH" dirty="0" err="1" smtClean="0"/>
+              <a:t>Develope</a:t>
+            </a:r>
+            <a:r>
+              <a:rPr lang="de-CH" dirty="0" smtClean="0"/>
+              <a:t> an </a:t>
+            </a:r>
+            <a:r>
+              <a:rPr lang="de-CH" dirty="0" err="1" smtClean="0"/>
+              <a:t>appropriate</a:t>
+            </a:r>
+            <a:r>
+              <a:rPr lang="de-CH" dirty="0" smtClean="0"/>
+              <a:t> </a:t>
+            </a:r>
+            <a:r>
+              <a:rPr lang="de-CH" dirty="0" err="1" smtClean="0"/>
+              <a:t>server</a:t>
+            </a:r>
+            <a:r>
+              <a:rPr lang="de-CH" dirty="0" smtClean="0"/>
+              <a:t> (</a:t>
+            </a:r>
+            <a:r>
+              <a:rPr lang="de-CH" dirty="0" err="1" smtClean="0"/>
+              <a:t>including</a:t>
+            </a:r>
+            <a:r>
+              <a:rPr lang="de-CH" dirty="0" smtClean="0"/>
+              <a:t> DB)</a:t>
+            </a:r>
+          </a:p>
+          <a:p>
+            <a:pPr lvl="2">
+              <a:buFont typeface="Arial" panose="020B0604020202020204" pitchFamily="34" charset="0"/>
+              <a:buChar char="•"/>
+            </a:pPr>
+            <a:r>
+              <a:rPr lang="de-CH" dirty="0" err="1" smtClean="0"/>
+              <a:t>Get</a:t>
+            </a:r>
+            <a:r>
+              <a:rPr lang="de-CH" dirty="0" smtClean="0"/>
+              <a:t> </a:t>
+            </a:r>
+            <a:r>
+              <a:rPr lang="de-CH" dirty="0" err="1" smtClean="0"/>
+              <a:t>default</a:t>
+            </a:r>
+            <a:r>
+              <a:rPr lang="de-CH" dirty="0" smtClean="0"/>
+              <a:t> </a:t>
+            </a:r>
+            <a:r>
+              <a:rPr lang="de-CH" dirty="0" err="1" smtClean="0"/>
+              <a:t>cities</a:t>
+            </a:r>
+            <a:r>
+              <a:rPr lang="de-CH" dirty="0" smtClean="0"/>
+              <a:t>, countries, </a:t>
+            </a:r>
+            <a:r>
+              <a:rPr lang="de-CH" dirty="0" err="1" smtClean="0"/>
+              <a:t>continents</a:t>
+            </a:r>
+            <a:r>
+              <a:rPr lang="de-CH" dirty="0" smtClean="0"/>
+              <a:t> </a:t>
+            </a:r>
+            <a:r>
+              <a:rPr lang="de-CH" dirty="0" err="1" smtClean="0"/>
+              <a:t>and</a:t>
+            </a:r>
+            <a:r>
+              <a:rPr lang="de-CH" dirty="0" smtClean="0"/>
+              <a:t> </a:t>
+            </a:r>
+            <a:r>
+              <a:rPr lang="de-CH" dirty="0" err="1" smtClean="0"/>
+              <a:t>groups</a:t>
+            </a:r>
+            <a:r>
+              <a:rPr lang="de-CH" dirty="0" smtClean="0"/>
+              <a:t> </a:t>
+            </a:r>
+            <a:r>
+              <a:rPr lang="de-CH" dirty="0" err="1" smtClean="0"/>
+              <a:t>from</a:t>
+            </a:r>
+            <a:r>
+              <a:rPr lang="de-CH" dirty="0" smtClean="0"/>
+              <a:t> </a:t>
+            </a:r>
+            <a:r>
+              <a:rPr lang="de-CH" dirty="0" err="1" smtClean="0"/>
+              <a:t>the</a:t>
+            </a:r>
+            <a:r>
+              <a:rPr lang="de-CH" dirty="0" smtClean="0"/>
+              <a:t> </a:t>
+            </a:r>
+            <a:r>
+              <a:rPr lang="de-CH" dirty="0" err="1" smtClean="0"/>
+              <a:t>server</a:t>
+            </a:r>
+            <a:endParaRPr lang="de-CH" dirty="0" smtClean="0"/>
+          </a:p>
+          <a:p>
+            <a:pPr lvl="2">
+              <a:buFont typeface="Arial" panose="020B0604020202020204" pitchFamily="34" charset="0"/>
+              <a:buChar char="•"/>
+            </a:pPr>
+            <a:r>
+              <a:rPr lang="de-CH" dirty="0" smtClean="0"/>
+              <a:t>Store </a:t>
+            </a:r>
+            <a:r>
+              <a:rPr lang="de-CH" dirty="0" err="1" smtClean="0"/>
+              <a:t>specific</a:t>
+            </a:r>
+            <a:r>
+              <a:rPr lang="de-CH" dirty="0"/>
+              <a:t> </a:t>
+            </a:r>
+            <a:r>
+              <a:rPr lang="de-CH" dirty="0" err="1" smtClean="0"/>
+              <a:t>cities</a:t>
+            </a:r>
+            <a:r>
+              <a:rPr lang="de-CH" dirty="0" smtClean="0"/>
+              <a:t>, </a:t>
+            </a:r>
+            <a:r>
+              <a:rPr lang="de-CH" dirty="0" err="1" smtClean="0"/>
+              <a:t>groups</a:t>
+            </a:r>
+            <a:r>
+              <a:rPr lang="de-CH" dirty="0" smtClean="0"/>
+              <a:t> </a:t>
+            </a:r>
+            <a:r>
+              <a:rPr lang="de-CH" dirty="0" err="1" smtClean="0"/>
+              <a:t>and</a:t>
+            </a:r>
+            <a:r>
+              <a:rPr lang="de-CH" dirty="0" smtClean="0"/>
+              <a:t> taps on </a:t>
+            </a:r>
+            <a:r>
+              <a:rPr lang="de-CH" dirty="0" err="1" smtClean="0"/>
+              <a:t>cities</a:t>
+            </a:r>
+            <a:r>
+              <a:rPr lang="de-CH" dirty="0" smtClean="0"/>
+              <a:t> on </a:t>
+            </a:r>
+            <a:r>
+              <a:rPr lang="de-CH" dirty="0" err="1" smtClean="0"/>
+              <a:t>the</a:t>
+            </a:r>
+            <a:r>
+              <a:rPr lang="de-CH" dirty="0" smtClean="0"/>
+              <a:t> </a:t>
+            </a:r>
+            <a:r>
+              <a:rPr lang="de-CH" dirty="0" err="1" smtClean="0"/>
+              <a:t>server</a:t>
+            </a:r>
+            <a:endParaRPr lang="de-CH" dirty="0" smtClean="0"/>
+          </a:p>
+        </p:txBody>
+      </p:sp>
+      <p:sp>
+        <p:nvSpPr>
+          <p:cNvPr id="4" name="Date Placeholder 3"/>
+          <p:cNvSpPr>
+            <a:spLocks noGrp="1"/>
+          </p:cNvSpPr>
+          <p:nvPr>
+            <p:ph type="dt" sz="half" idx="10"/>
+          </p:nvPr>
+        </p:nvSpPr>
+        <p:spPr/>
+        <p:txBody>
+          <a:bodyPr/>
+          <a:lstStyle/>
+          <a:p>
+            <a:r>
+              <a:rPr lang="de-DE" smtClean="0"/>
+              <a:t>13.04.2015</a:t>
+            </a:r>
             <a:endParaRPr lang="de-CH"/>
           </a:p>
         </p:txBody>
       </p:sp>
       <p:sp>
         <p:nvSpPr>
-          <p:cNvPr id="4" name="Date Placeholder 3"/>
-          <p:cNvSpPr>
-            <a:spLocks noGrp="1"/>
-          </p:cNvSpPr>
-          <p:nvPr>
-            <p:ph type="dt" sz="half" idx="10"/>
+          <p:cNvPr id="5" name="Footer Placeholder 4"/>
+          <p:cNvSpPr>
+            <a:spLocks noGrp="1"/>
+          </p:cNvSpPr>
+          <p:nvPr>
+            <p:ph type="ftr" sz="quarter" idx="11"/>
           </p:nvPr>
         </p:nvSpPr>
         <p:spPr/>
@@ -5402,8 +7652,8 @@
           <a:lstStyle/>
           <a:p>
             <a:r>
-              <a:rPr lang="de-CH" smtClean="0"/>
-              <a:t>13.04.2015</a:t>
+              <a:rPr lang="en-US" smtClean="0"/>
+              <a:t>ACF: Nils Frey, Lucas Graf and Thomas Strebel</a:t>
             </a:r>
             <a:endParaRPr lang="de-CH"/>
           </a:p>
@@ -5411,12 +7661,12 @@
       </p:sp>
       <p:sp>
         <p:nvSpPr>
-          <p:cNvPr id="5" name="Footer Placeholder 4"/>
-          <p:cNvSpPr>
-            <a:spLocks noGrp="1"/>
-          </p:cNvSpPr>
-          <p:nvPr>
-            <p:ph type="ftr" sz="quarter" idx="11"/>
+          <p:cNvPr id="6" name="Slide Number Placeholder 5"/>
+          <p:cNvSpPr>
+            <a:spLocks noGrp="1"/>
+          </p:cNvSpPr>
+          <p:nvPr>
+            <p:ph type="sldNum" sz="quarter" idx="12"/>
           </p:nvPr>
         </p:nvSpPr>
         <p:spPr/>
@@ -5424,30 +7674,7 @@
           <a:bodyPr/>
           <a:lstStyle/>
           <a:p>
-            <a:r>
-              <a:rPr lang="en-US" smtClean="0"/>
-              <a:t>TSM_MobOp Augmented City Finder: Nils Frey, Lucas Graf, Thomas Strebel</a:t>
-            </a:r>
-            <a:endParaRPr lang="de-CH"/>
-          </a:p>
-        </p:txBody>
-      </p:sp>
-      <p:sp>
-        <p:nvSpPr>
-          <p:cNvPr id="6" name="Slide Number Placeholder 5"/>
-          <p:cNvSpPr>
-            <a:spLocks noGrp="1"/>
-          </p:cNvSpPr>
-          <p:nvPr>
-            <p:ph type="sldNum" sz="quarter" idx="12"/>
-          </p:nvPr>
-        </p:nvSpPr>
-        <p:spPr/>
-        <p:txBody>
-          <a:bodyPr/>
-          <a:lstStyle/>
-          <a:p>
-            <a:fld id="{0FC02E39-DF30-4134-BCDF-AD4758630250}" type="slidenum">
+            <a:fld id="{38534A16-F4EA-42C1-9196-9164AB5EF764}" type="slidenum">
               <a:rPr lang="de-CH" smtClean="0"/>
               <a:t>4</a:t>
             </a:fld>
@@ -5458,20 +7685,13 @@
     </p:spTree>
     <p:extLst>
       <p:ext uri="{BB962C8B-B14F-4D97-AF65-F5344CB8AC3E}">
-        <p14:creationId xmlns:p14="http://schemas.microsoft.com/office/powerpoint/2010/main" val="1360285875"/>
+        <p14:creationId xmlns:p14="http://schemas.microsoft.com/office/powerpoint/2010/main" val="4202866378"/>
       </p:ext>
     </p:extLst>
   </p:cSld>
   <p:clrMapOvr>
     <a:masterClrMapping/>
   </p:clrMapOvr>
-  <p:timing>
-    <p:tnLst>
-      <p:par>
-        <p:cTn id="1" dur="indefinite" restart="never" nodeType="tmRoot"/>
-      </p:par>
-    </p:tnLst>
-  </p:timing>
 </p:sld>
 </file>
 
@@ -5508,11 +7728,11 @@
           <a:lstStyle/>
           <a:p>
             <a:r>
-              <a:rPr lang="de-CH" dirty="0" err="1" smtClean="0"/>
+              <a:rPr lang="de-CH" dirty="0" err="1"/>
               <a:t>Related</a:t>
             </a:r>
             <a:r>
-              <a:rPr lang="de-CH" dirty="0" smtClean="0"/>
+              <a:rPr lang="de-CH" dirty="0"/>
               <a:t> Work</a:t>
             </a:r>
             <a:endParaRPr lang="de-CH" dirty="0"/>
@@ -5534,18 +7754,315 @@
           <a:bodyPr/>
           <a:lstStyle/>
           <a:p>
+            <a:pPr>
+              <a:buFont typeface="Arial" panose="020B0604020202020204" pitchFamily="34" charset="0"/>
+              <a:buChar char="•"/>
+            </a:pPr>
+            <a:r>
+              <a:rPr lang="de-CH" dirty="0"/>
+              <a:t> </a:t>
+            </a:r>
+            <a:r>
+              <a:rPr lang="de-CH" dirty="0" err="1" smtClean="0"/>
+              <a:t>junaio</a:t>
+            </a:r>
+            <a:r>
+              <a:rPr lang="de-CH" dirty="0" smtClean="0"/>
+              <a:t> </a:t>
+            </a:r>
+            <a:r>
+              <a:rPr lang="de-CH" dirty="0" err="1" smtClean="0"/>
+              <a:t>Augmented</a:t>
+            </a:r>
+            <a:r>
+              <a:rPr lang="de-CH" dirty="0" smtClean="0"/>
+              <a:t> Reality</a:t>
+            </a:r>
+          </a:p>
+          <a:p>
+            <a:pPr lvl="1">
+              <a:buFont typeface="Arial" panose="020B0604020202020204" pitchFamily="34" charset="0"/>
+              <a:buChar char="•"/>
+            </a:pPr>
+            <a:r>
+              <a:rPr lang="de-CH" dirty="0" smtClean="0"/>
+              <a:t>Displays </a:t>
+            </a:r>
+            <a:r>
+              <a:rPr lang="de-CH" dirty="0" err="1" smtClean="0"/>
+              <a:t>events</a:t>
+            </a:r>
+            <a:r>
+              <a:rPr lang="de-CH" dirty="0" smtClean="0"/>
+              <a:t> </a:t>
+            </a:r>
+            <a:r>
+              <a:rPr lang="de-CH" dirty="0" err="1" smtClean="0"/>
+              <a:t>and</a:t>
+            </a:r>
+            <a:r>
+              <a:rPr lang="de-CH" dirty="0" smtClean="0"/>
+              <a:t> </a:t>
+            </a:r>
+            <a:r>
+              <a:rPr lang="de-CH" dirty="0" err="1" smtClean="0"/>
+              <a:t>public</a:t>
+            </a:r>
+            <a:r>
+              <a:rPr lang="de-CH" dirty="0" smtClean="0"/>
+              <a:t> </a:t>
+            </a:r>
+            <a:r>
+              <a:rPr lang="de-CH" dirty="0" err="1" smtClean="0"/>
+              <a:t>places</a:t>
+            </a:r>
+            <a:r>
+              <a:rPr lang="de-CH" dirty="0" smtClean="0"/>
+              <a:t> </a:t>
+            </a:r>
+            <a:r>
+              <a:rPr lang="de-CH" dirty="0" err="1" smtClean="0"/>
+              <a:t>nearby</a:t>
+            </a:r>
+            <a:endParaRPr lang="de-CH" dirty="0" smtClean="0"/>
+          </a:p>
+          <a:p>
+            <a:pPr lvl="1">
+              <a:buFont typeface="Arial" panose="020B0604020202020204" pitchFamily="34" charset="0"/>
+              <a:buChar char="•"/>
+            </a:pPr>
+            <a:r>
+              <a:rPr lang="de-CH" dirty="0" err="1" smtClean="0"/>
+              <a:t>No</a:t>
+            </a:r>
+            <a:r>
+              <a:rPr lang="de-CH" dirty="0" smtClean="0"/>
+              <a:t> </a:t>
+            </a:r>
+            <a:r>
+              <a:rPr lang="de-CH" dirty="0" err="1" smtClean="0"/>
+              <a:t>user</a:t>
+            </a:r>
+            <a:r>
+              <a:rPr lang="de-CH" dirty="0" smtClean="0"/>
+              <a:t> </a:t>
+            </a:r>
+            <a:r>
+              <a:rPr lang="de-CH" dirty="0" err="1" smtClean="0"/>
+              <a:t>specific</a:t>
+            </a:r>
+            <a:r>
+              <a:rPr lang="de-CH" dirty="0" smtClean="0"/>
+              <a:t> </a:t>
+            </a:r>
+            <a:endParaRPr lang="de-CH" dirty="0"/>
+          </a:p>
+          <a:p>
+            <a:pPr lvl="1">
+              <a:buFont typeface="Arial" panose="020B0604020202020204" pitchFamily="34" charset="0"/>
+              <a:buChar char="•"/>
+            </a:pPr>
+            <a:r>
+              <a:rPr lang="de-CH" dirty="0" smtClean="0"/>
+              <a:t>App </a:t>
+            </a:r>
+            <a:r>
+              <a:rPr lang="de-CH" dirty="0" err="1" smtClean="0"/>
+              <a:t>does</a:t>
+            </a:r>
+            <a:r>
+              <a:rPr lang="de-CH" dirty="0" smtClean="0"/>
+              <a:t> not </a:t>
+            </a:r>
+            <a:r>
+              <a:rPr lang="de-CH" dirty="0" err="1" smtClean="0"/>
+              <a:t>only</a:t>
+            </a:r>
+            <a:r>
+              <a:rPr lang="de-CH" dirty="0"/>
+              <a:t> </a:t>
+            </a:r>
+            <a:r>
+              <a:rPr lang="de-CH" dirty="0" err="1" smtClean="0"/>
+              <a:t>display</a:t>
+            </a:r>
+            <a:r>
+              <a:rPr lang="de-CH" dirty="0" smtClean="0"/>
+              <a:t> </a:t>
+            </a:r>
+            <a:r>
+              <a:rPr lang="de-CH" dirty="0" err="1" smtClean="0"/>
+              <a:t>places</a:t>
+            </a:r>
+            <a:endParaRPr lang="de-CH" dirty="0" smtClean="0"/>
+          </a:p>
+          <a:p>
+            <a:pPr lvl="2">
+              <a:buFont typeface="Arial" panose="020B0604020202020204" pitchFamily="34" charset="0"/>
+              <a:buChar char="•"/>
+            </a:pPr>
+            <a:r>
+              <a:rPr lang="de-CH" dirty="0" smtClean="0"/>
+              <a:t>AR Games</a:t>
+            </a:r>
+          </a:p>
+          <a:p>
+            <a:pPr lvl="2">
+              <a:buFont typeface="Arial" panose="020B0604020202020204" pitchFamily="34" charset="0"/>
+              <a:buChar char="•"/>
+            </a:pPr>
+            <a:r>
+              <a:rPr lang="de-CH" dirty="0" smtClean="0"/>
+              <a:t>Navigation (</a:t>
+            </a:r>
+            <a:r>
+              <a:rPr lang="de-CH" dirty="0" err="1" smtClean="0"/>
+              <a:t>map</a:t>
+            </a:r>
+            <a:r>
+              <a:rPr lang="de-CH" dirty="0" smtClean="0"/>
+              <a:t>)</a:t>
+            </a:r>
+          </a:p>
+          <a:p>
+            <a:pPr lvl="2">
+              <a:buFont typeface="Arial" panose="020B0604020202020204" pitchFamily="34" charset="0"/>
+              <a:buChar char="•"/>
+            </a:pPr>
+            <a:r>
+              <a:rPr lang="de-CH" dirty="0" smtClean="0"/>
+              <a:t>Scan </a:t>
+            </a:r>
+            <a:r>
+              <a:rPr lang="de-CH" dirty="0" err="1" smtClean="0"/>
+              <a:t>products</a:t>
+            </a:r>
+            <a:r>
+              <a:rPr lang="de-CH" dirty="0" smtClean="0"/>
+              <a:t> </a:t>
+            </a:r>
+            <a:r>
+              <a:rPr lang="de-CH" dirty="0" err="1" smtClean="0"/>
+              <a:t>for</a:t>
+            </a:r>
+            <a:r>
+              <a:rPr lang="de-CH" dirty="0" smtClean="0"/>
+              <a:t> </a:t>
+            </a:r>
+            <a:r>
+              <a:rPr lang="de-CH" dirty="0" err="1" smtClean="0"/>
+              <a:t>information</a:t>
+            </a:r>
+            <a:r>
+              <a:rPr lang="de-CH" dirty="0" smtClean="0"/>
+              <a:t> (</a:t>
+            </a:r>
+            <a:r>
+              <a:rPr lang="de-CH" dirty="0" err="1" smtClean="0"/>
+              <a:t>board</a:t>
+            </a:r>
+            <a:r>
+              <a:rPr lang="de-CH" dirty="0" smtClean="0"/>
+              <a:t> </a:t>
+            </a:r>
+            <a:r>
+              <a:rPr lang="de-CH" dirty="0" err="1" smtClean="0"/>
+              <a:t>games</a:t>
+            </a:r>
+            <a:r>
+              <a:rPr lang="de-CH" dirty="0" smtClean="0"/>
+              <a:t>, QR-codes, …)</a:t>
+            </a:r>
+          </a:p>
+          <a:p>
+            <a:pPr lvl="2">
+              <a:buFont typeface="Arial" panose="020B0604020202020204" pitchFamily="34" charset="0"/>
+              <a:buChar char="•"/>
+            </a:pPr>
+            <a:r>
+              <a:rPr lang="de-CH" dirty="0" smtClean="0"/>
+              <a:t>Integration </a:t>
+            </a:r>
+            <a:r>
+              <a:rPr lang="de-CH" dirty="0" err="1" smtClean="0"/>
+              <a:t>of</a:t>
+            </a:r>
+            <a:r>
+              <a:rPr lang="de-CH" dirty="0" smtClean="0"/>
+              <a:t> </a:t>
+            </a:r>
+            <a:r>
+              <a:rPr lang="de-CH" dirty="0" err="1" smtClean="0"/>
+              <a:t>contents</a:t>
+            </a:r>
+            <a:r>
+              <a:rPr lang="de-CH" dirty="0" smtClean="0"/>
+              <a:t> (like </a:t>
+            </a:r>
+            <a:r>
+              <a:rPr lang="de-CH" dirty="0" err="1" smtClean="0"/>
+              <a:t>ebay</a:t>
+            </a:r>
+            <a:r>
+              <a:rPr lang="de-CH" dirty="0" smtClean="0"/>
+              <a:t>, </a:t>
+            </a:r>
+            <a:r>
+              <a:rPr lang="de-CH" dirty="0" err="1" smtClean="0"/>
+              <a:t>twitter</a:t>
+            </a:r>
+            <a:r>
+              <a:rPr lang="de-CH" dirty="0" smtClean="0"/>
+              <a:t>, …)</a:t>
+            </a:r>
+          </a:p>
+          <a:p>
+            <a:pPr lvl="2">
+              <a:buFont typeface="Arial" panose="020B0604020202020204" pitchFamily="34" charset="0"/>
+              <a:buChar char="•"/>
+            </a:pPr>
+            <a:endParaRPr lang="de-CH" dirty="0" smtClean="0"/>
+          </a:p>
+          <a:p>
+            <a:pPr lvl="1">
+              <a:buFont typeface="Arial" panose="020B0604020202020204" pitchFamily="34" charset="0"/>
+              <a:buChar char="•"/>
+            </a:pPr>
+            <a:endParaRPr lang="de-CH" dirty="0"/>
+          </a:p>
+        </p:txBody>
+      </p:sp>
+      <p:sp>
+        <p:nvSpPr>
+          <p:cNvPr id="4" name="Date Placeholder 3"/>
+          <p:cNvSpPr>
+            <a:spLocks noGrp="1"/>
+          </p:cNvSpPr>
+          <p:nvPr>
+            <p:ph type="dt" sz="half" idx="10"/>
+          </p:nvPr>
+        </p:nvSpPr>
+        <p:spPr/>
+        <p:txBody>
+          <a:bodyPr/>
+          <a:lstStyle/>
+          <a:p>
+            <a:r>
+              <a:rPr lang="de-DE" smtClean="0"/>
+              <a:t>13.04.2015</a:t>
+            </a:r>
             <a:endParaRPr lang="de-CH"/>
           </a:p>
         </p:txBody>
       </p:sp>
       <p:sp>
         <p:nvSpPr>
-          <p:cNvPr id="4" name="Date Placeholder 3"/>
-          <p:cNvSpPr>
-            <a:spLocks noGrp="1"/>
-          </p:cNvSpPr>
-          <p:nvPr>
-            <p:ph type="dt" sz="half" idx="10"/>
+          <p:cNvPr id="5" name="Footer Placeholder 4"/>
+          <p:cNvSpPr>
+            <a:spLocks noGrp="1"/>
+          </p:cNvSpPr>
+          <p:nvPr>
+            <p:ph type="ftr" sz="quarter" idx="11"/>
           </p:nvPr>
         </p:nvSpPr>
         <p:spPr/>
@@ -5554,8 +8071,8 @@
           <a:lstStyle/>
           <a:p>
             <a:r>
-              <a:rPr lang="de-CH" smtClean="0"/>
-              <a:t>13.04.2015</a:t>
+              <a:rPr lang="en-US" smtClean="0"/>
+              <a:t>ACF: Nils Frey, Lucas Graf and Thomas Strebel</a:t>
             </a:r>
             <a:endParaRPr lang="de-CH"/>
           </a:p>
@@ -5563,12 +8080,12 @@
       </p:sp>
       <p:sp>
         <p:nvSpPr>
-          <p:cNvPr id="5" name="Footer Placeholder 4"/>
-          <p:cNvSpPr>
-            <a:spLocks noGrp="1"/>
-          </p:cNvSpPr>
-          <p:nvPr>
-            <p:ph type="ftr" sz="quarter" idx="11"/>
+          <p:cNvPr id="6" name="Slide Number Placeholder 5"/>
+          <p:cNvSpPr>
+            <a:spLocks noGrp="1"/>
+          </p:cNvSpPr>
+          <p:nvPr>
+            <p:ph type="sldNum" sz="quarter" idx="12"/>
           </p:nvPr>
         </p:nvSpPr>
         <p:spPr/>
@@ -5576,30 +8093,7 @@
           <a:bodyPr/>
           <a:lstStyle/>
           <a:p>
-            <a:r>
-              <a:rPr lang="en-US" smtClean="0"/>
-              <a:t>TSM_MobOp Augmented City Finder: Nils Frey, Lucas Graf, Thomas Strebel</a:t>
-            </a:r>
-            <a:endParaRPr lang="de-CH"/>
-          </a:p>
-        </p:txBody>
-      </p:sp>
-      <p:sp>
-        <p:nvSpPr>
-          <p:cNvPr id="6" name="Slide Number Placeholder 5"/>
-          <p:cNvSpPr>
-            <a:spLocks noGrp="1"/>
-          </p:cNvSpPr>
-          <p:nvPr>
-            <p:ph type="sldNum" sz="quarter" idx="12"/>
-          </p:nvPr>
-        </p:nvSpPr>
-        <p:spPr/>
-        <p:txBody>
-          <a:bodyPr/>
-          <a:lstStyle/>
-          <a:p>
-            <a:fld id="{0FC02E39-DF30-4134-BCDF-AD4758630250}" type="slidenum">
+            <a:fld id="{38534A16-F4EA-42C1-9196-9164AB5EF764}" type="slidenum">
               <a:rPr lang="de-CH" smtClean="0"/>
               <a:t>5</a:t>
             </a:fld>
@@ -5607,23 +8101,57 @@
           </a:p>
         </p:txBody>
       </p:sp>
+      <p:pic>
+        <p:nvPicPr>
+          <p:cNvPr id="1026" name="Picture 2" descr="https://lh3.ggpht.com/Jk-xmwIH-LU6Q8yE4r9ftpoUylCskDTJ3yz5pyE-eR2hbPRJql2UyutQ5rH9zmQabA=w300"/>
+          <p:cNvPicPr>
+            <a:picLocks noChangeAspect="1" noChangeArrowheads="1"/>
+          </p:cNvPicPr>
+          <p:nvPr/>
+        </p:nvPicPr>
+        <p:blipFill>
+          <a:blip r:embed="rId2">
+            <a:extLst>
+              <a:ext uri="{28A0092B-C50C-407E-A947-70E740481C1C}">
+                <a14:useLocalDpi xmlns:a14="http://schemas.microsoft.com/office/drawing/2010/main" val="0"/>
+              </a:ext>
+            </a:extLst>
+          </a:blip>
+          <a:srcRect/>
+          <a:stretch>
+            <a:fillRect/>
+          </a:stretch>
+        </p:blipFill>
+        <p:spPr bwMode="auto">
+          <a:xfrm>
+            <a:off x="6637294" y="1845734"/>
+            <a:ext cx="2857500" cy="2857500"/>
+          </a:xfrm>
+          <a:prstGeom prst="rect">
+            <a:avLst/>
+          </a:prstGeom>
+          <a:noFill/>
+          <a:extLst>
+            <a:ext uri="{909E8E84-426E-40DD-AFC4-6F175D3DCCD1}">
+              <a14:hiddenFill xmlns:a14="http://schemas.microsoft.com/office/drawing/2010/main">
+                <a:solidFill>
+                  <a:srgbClr val="FFFFFF"/>
+                </a:solidFill>
+              </a14:hiddenFill>
+            </a:ext>
+          </a:extLst>
+        </p:spPr>
+      </p:pic>
     </p:spTree>
     <p:extLst>
       <p:ext uri="{BB962C8B-B14F-4D97-AF65-F5344CB8AC3E}">
-        <p14:creationId xmlns:p14="http://schemas.microsoft.com/office/powerpoint/2010/main" val="3351295486"/>
+        <p14:creationId xmlns:p14="http://schemas.microsoft.com/office/powerpoint/2010/main" val="4206238447"/>
       </p:ext>
     </p:extLst>
   </p:cSld>
   <p:clrMapOvr>
     <a:masterClrMapping/>
   </p:clrMapOvr>
-  <p:timing>
-    <p:tnLst>
-      <p:par>
-        <p:cTn id="1" dur="indefinite" restart="never" nodeType="tmRoot"/>
-      </p:par>
-    </p:tnLst>
-  </p:timing>
 </p:sld>
 </file>
 
@@ -5660,19 +8188,19 @@
           <a:lstStyle/>
           <a:p>
             <a:r>
-              <a:rPr lang="de-CH" dirty="0" smtClean="0"/>
+              <a:rPr lang="de-CH" dirty="0"/>
               <a:t>Design </a:t>
             </a:r>
             <a:r>
-              <a:rPr lang="de-CH" dirty="0" err="1" smtClean="0"/>
+              <a:rPr lang="de-CH" dirty="0" err="1"/>
               <a:t>and</a:t>
             </a:r>
             <a:r>
-              <a:rPr lang="de-CH" dirty="0" smtClean="0"/>
-              <a:t> </a:t>
-            </a:r>
-            <a:r>
-              <a:rPr lang="de-CH" dirty="0" err="1" smtClean="0"/>
+              <a:rPr lang="de-CH" dirty="0"/>
+              <a:t> </a:t>
+            </a:r>
+            <a:r>
+              <a:rPr lang="de-CH" dirty="0" err="1"/>
               <a:t>Architecture</a:t>
             </a:r>
             <a:endParaRPr lang="de-CH" dirty="0"/>
@@ -5694,18 +8222,102 @@
           <a:bodyPr/>
           <a:lstStyle/>
           <a:p>
+            <a:pPr>
+              <a:buFont typeface="Arial" panose="020B0604020202020204" pitchFamily="34" charset="0"/>
+              <a:buChar char="•"/>
+            </a:pPr>
+            <a:r>
+              <a:rPr lang="de-CH" dirty="0"/>
+              <a:t> </a:t>
+            </a:r>
+            <a:r>
+              <a:rPr lang="de-CH" dirty="0" err="1" smtClean="0"/>
+              <a:t>To</a:t>
+            </a:r>
+            <a:r>
+              <a:rPr lang="de-CH" dirty="0" smtClean="0"/>
+              <a:t> </a:t>
+            </a:r>
+            <a:r>
+              <a:rPr lang="de-CH" dirty="0" err="1" smtClean="0"/>
+              <a:t>be</a:t>
+            </a:r>
+            <a:r>
+              <a:rPr lang="de-CH" dirty="0" smtClean="0"/>
+              <a:t> </a:t>
+            </a:r>
+            <a:r>
+              <a:rPr lang="de-CH" dirty="0" err="1" smtClean="0"/>
+              <a:t>done</a:t>
+            </a:r>
+            <a:endParaRPr lang="de-CH" dirty="0" smtClean="0"/>
+          </a:p>
+          <a:p>
+            <a:pPr lvl="1">
+              <a:buFont typeface="Arial" panose="020B0604020202020204" pitchFamily="34" charset="0"/>
+              <a:buChar char="•"/>
+            </a:pPr>
+            <a:r>
+              <a:rPr lang="de-CH" dirty="0" err="1" smtClean="0"/>
+              <a:t>SQLite</a:t>
+            </a:r>
+            <a:endParaRPr lang="de-CH" dirty="0"/>
+          </a:p>
+          <a:p>
+            <a:pPr lvl="1">
+              <a:buFont typeface="Arial" panose="020B0604020202020204" pitchFamily="34" charset="0"/>
+              <a:buChar char="•"/>
+            </a:pPr>
+            <a:r>
+              <a:rPr lang="de-CH" dirty="0" err="1" smtClean="0"/>
+              <a:t>Gson</a:t>
+            </a:r>
+            <a:endParaRPr lang="de-CH" dirty="0" smtClean="0"/>
+          </a:p>
+          <a:p>
+            <a:pPr lvl="1">
+              <a:buFont typeface="Arial" panose="020B0604020202020204" pitchFamily="34" charset="0"/>
+              <a:buChar char="•"/>
+            </a:pPr>
+            <a:r>
+              <a:rPr lang="de-CH" dirty="0" smtClean="0"/>
+              <a:t>...</a:t>
+            </a:r>
+            <a:endParaRPr lang="de-CH" dirty="0"/>
+          </a:p>
+        </p:txBody>
+      </p:sp>
+      <p:sp>
+        <p:nvSpPr>
+          <p:cNvPr id="4" name="Date Placeholder 3"/>
+          <p:cNvSpPr>
+            <a:spLocks noGrp="1"/>
+          </p:cNvSpPr>
+          <p:nvPr>
+            <p:ph type="dt" sz="half" idx="10"/>
+          </p:nvPr>
+        </p:nvSpPr>
+        <p:spPr/>
+        <p:txBody>
+          <a:bodyPr/>
+          <a:lstStyle/>
+          <a:p>
+            <a:r>
+              <a:rPr lang="de-DE" smtClean="0"/>
+              <a:t>13.04.2015</a:t>
+            </a:r>
             <a:endParaRPr lang="de-CH"/>
           </a:p>
         </p:txBody>
       </p:sp>
       <p:sp>
         <p:nvSpPr>
-          <p:cNvPr id="4" name="Date Placeholder 3"/>
-          <p:cNvSpPr>
-            <a:spLocks noGrp="1"/>
-          </p:cNvSpPr>
-          <p:nvPr>
-            <p:ph type="dt" sz="half" idx="10"/>
+          <p:cNvPr id="5" name="Footer Placeholder 4"/>
+          <p:cNvSpPr>
+            <a:spLocks noGrp="1"/>
+          </p:cNvSpPr>
+          <p:nvPr>
+            <p:ph type="ftr" sz="quarter" idx="11"/>
           </p:nvPr>
         </p:nvSpPr>
         <p:spPr/>
@@ -5714,8 +8326,8 @@
           <a:lstStyle/>
           <a:p>
             <a:r>
-              <a:rPr lang="de-CH" smtClean="0"/>
-              <a:t>13.04.2015</a:t>
+              <a:rPr lang="en-US" smtClean="0"/>
+              <a:t>ACF: Nils Frey, Lucas Graf and Thomas Strebel</a:t>
             </a:r>
             <a:endParaRPr lang="de-CH"/>
           </a:p>
@@ -5723,12 +8335,12 @@
       </p:sp>
       <p:sp>
         <p:nvSpPr>
-          <p:cNvPr id="5" name="Footer Placeholder 4"/>
-          <p:cNvSpPr>
-            <a:spLocks noGrp="1"/>
-          </p:cNvSpPr>
-          <p:nvPr>
-            <p:ph type="ftr" sz="quarter" idx="11"/>
+          <p:cNvPr id="6" name="Slide Number Placeholder 5"/>
+          <p:cNvSpPr>
+            <a:spLocks noGrp="1"/>
+          </p:cNvSpPr>
+          <p:nvPr>
+            <p:ph type="sldNum" sz="quarter" idx="12"/>
           </p:nvPr>
         </p:nvSpPr>
         <p:spPr/>
@@ -5736,30 +8348,7 @@
           <a:bodyPr/>
           <a:lstStyle/>
           <a:p>
-            <a:r>
-              <a:rPr lang="en-US" smtClean="0"/>
-              <a:t>TSM_MobOp Augmented City Finder: Nils Frey, Lucas Graf, Thomas Strebel</a:t>
-            </a:r>
-            <a:endParaRPr lang="de-CH"/>
-          </a:p>
-        </p:txBody>
-      </p:sp>
-      <p:sp>
-        <p:nvSpPr>
-          <p:cNvPr id="6" name="Slide Number Placeholder 5"/>
-          <p:cNvSpPr>
-            <a:spLocks noGrp="1"/>
-          </p:cNvSpPr>
-          <p:nvPr>
-            <p:ph type="sldNum" sz="quarter" idx="12"/>
-          </p:nvPr>
-        </p:nvSpPr>
-        <p:spPr/>
-        <p:txBody>
-          <a:bodyPr/>
-          <a:lstStyle/>
-          <a:p>
-            <a:fld id="{0FC02E39-DF30-4134-BCDF-AD4758630250}" type="slidenum">
+            <a:fld id="{38534A16-F4EA-42C1-9196-9164AB5EF764}" type="slidenum">
               <a:rPr lang="de-CH" smtClean="0"/>
               <a:t>6</a:t>
             </a:fld>
@@ -5770,20 +8359,13 @@
     </p:spTree>
     <p:extLst>
       <p:ext uri="{BB962C8B-B14F-4D97-AF65-F5344CB8AC3E}">
-        <p14:creationId xmlns:p14="http://schemas.microsoft.com/office/powerpoint/2010/main" val="2679047176"/>
+        <p14:creationId xmlns:p14="http://schemas.microsoft.com/office/powerpoint/2010/main" val="1466345074"/>
       </p:ext>
     </p:extLst>
   </p:cSld>
   <p:clrMapOvr>
     <a:masterClrMapping/>
   </p:clrMapOvr>
-  <p:timing>
-    <p:tnLst>
-      <p:par>
-        <p:cTn id="1" dur="indefinite" restart="never" nodeType="tmRoot"/>
-      </p:par>
-    </p:tnLst>
-  </p:timing>
 </p:sld>
 </file>
 
@@ -5820,7 +8402,7 @@
           <a:lstStyle/>
           <a:p>
             <a:r>
-              <a:rPr lang="de-CH" dirty="0" smtClean="0"/>
+              <a:rPr lang="de-CH" dirty="0"/>
               <a:t>Implementation</a:t>
             </a:r>
             <a:endParaRPr lang="de-CH" dirty="0"/>
@@ -5842,18 +8424,140 @@
           <a:bodyPr/>
           <a:lstStyle/>
           <a:p>
+            <a:pPr>
+              <a:buFont typeface="Arial" panose="020B0604020202020204" pitchFamily="34" charset="0"/>
+              <a:buChar char="•"/>
+            </a:pPr>
+            <a:r>
+              <a:rPr lang="de-CH" dirty="0"/>
+              <a:t> </a:t>
+            </a:r>
+            <a:r>
+              <a:rPr lang="de-CH" dirty="0"/>
+              <a:t> </a:t>
+            </a:r>
+            <a:r>
+              <a:rPr lang="de-CH" dirty="0" err="1" smtClean="0"/>
+              <a:t>Serverside</a:t>
+            </a:r>
+            <a:endParaRPr lang="de-CH" dirty="0" smtClean="0"/>
+          </a:p>
+          <a:p>
+            <a:pPr lvl="1">
+              <a:buFont typeface="Arial" panose="020B0604020202020204" pitchFamily="34" charset="0"/>
+              <a:buChar char="•"/>
+            </a:pPr>
+            <a:r>
+              <a:rPr lang="de-CH" dirty="0" err="1" smtClean="0"/>
+              <a:t>JBoss</a:t>
+            </a:r>
+            <a:r>
+              <a:rPr lang="de-CH" dirty="0" smtClean="0"/>
+              <a:t> </a:t>
+            </a:r>
+            <a:r>
+              <a:rPr lang="de-CH" dirty="0" err="1" smtClean="0"/>
+              <a:t>Application</a:t>
+            </a:r>
+            <a:r>
+              <a:rPr lang="de-CH" dirty="0" smtClean="0"/>
+              <a:t> Server 7</a:t>
+            </a:r>
+          </a:p>
+          <a:p>
+            <a:pPr lvl="1">
+              <a:buFont typeface="Arial" panose="020B0604020202020204" pitchFamily="34" charset="0"/>
+              <a:buChar char="•"/>
+            </a:pPr>
+            <a:r>
+              <a:rPr lang="de-CH" dirty="0" err="1" smtClean="0"/>
+              <a:t>PostgreSQL</a:t>
+            </a:r>
+            <a:r>
+              <a:rPr lang="de-CH" dirty="0" smtClean="0"/>
+              <a:t> 9.2</a:t>
+            </a:r>
+          </a:p>
+          <a:p>
+            <a:pPr lvl="1">
+              <a:buFont typeface="Arial" panose="020B0604020202020204" pitchFamily="34" charset="0"/>
+              <a:buChar char="•"/>
+            </a:pPr>
+            <a:r>
+              <a:rPr lang="de-CH" dirty="0" smtClean="0"/>
+              <a:t>Sun Jersey (Java API </a:t>
+            </a:r>
+            <a:r>
+              <a:rPr lang="de-CH" dirty="0" err="1" smtClean="0"/>
+              <a:t>for</a:t>
+            </a:r>
+            <a:r>
+              <a:rPr lang="de-CH" dirty="0" smtClean="0"/>
+              <a:t> </a:t>
+            </a:r>
+            <a:r>
+              <a:rPr lang="de-CH" dirty="0" err="1" smtClean="0"/>
+              <a:t>RESTful</a:t>
+            </a:r>
+            <a:r>
+              <a:rPr lang="de-CH" dirty="0" smtClean="0"/>
+              <a:t> Webservices)</a:t>
+            </a:r>
+          </a:p>
+          <a:p>
+            <a:pPr>
+              <a:buFont typeface="Arial" panose="020B0604020202020204" pitchFamily="34" charset="0"/>
+              <a:buChar char="•"/>
+            </a:pPr>
+            <a:r>
+              <a:rPr lang="de-CH" dirty="0" smtClean="0"/>
+              <a:t>Android</a:t>
+            </a:r>
+          </a:p>
+          <a:p>
+            <a:pPr lvl="1">
+              <a:buFont typeface="Arial" panose="020B0604020202020204" pitchFamily="34" charset="0"/>
+              <a:buChar char="•"/>
+            </a:pPr>
+            <a:r>
+              <a:rPr lang="de-CH" dirty="0" smtClean="0"/>
+              <a:t>TO BE DONE!!!!!</a:t>
+            </a:r>
+            <a:endParaRPr lang="de-CH" dirty="0"/>
+          </a:p>
+        </p:txBody>
+      </p:sp>
+      <p:sp>
+        <p:nvSpPr>
+          <p:cNvPr id="4" name="Date Placeholder 3"/>
+          <p:cNvSpPr>
+            <a:spLocks noGrp="1"/>
+          </p:cNvSpPr>
+          <p:nvPr>
+            <p:ph type="dt" sz="half" idx="10"/>
+          </p:nvPr>
+        </p:nvSpPr>
+        <p:spPr/>
+        <p:txBody>
+          <a:bodyPr/>
+          <a:lstStyle/>
+          <a:p>
+            <a:r>
+              <a:rPr lang="de-DE" smtClean="0"/>
+              <a:t>13.04.2015</a:t>
+            </a:r>
             <a:endParaRPr lang="de-CH"/>
           </a:p>
         </p:txBody>
       </p:sp>
       <p:sp>
         <p:nvSpPr>
-          <p:cNvPr id="4" name="Date Placeholder 3"/>
-          <p:cNvSpPr>
-            <a:spLocks noGrp="1"/>
-          </p:cNvSpPr>
-          <p:nvPr>
-            <p:ph type="dt" sz="half" idx="10"/>
+          <p:cNvPr id="5" name="Footer Placeholder 4"/>
+          <p:cNvSpPr>
+            <a:spLocks noGrp="1"/>
+          </p:cNvSpPr>
+          <p:nvPr>
+            <p:ph type="ftr" sz="quarter" idx="11"/>
           </p:nvPr>
         </p:nvSpPr>
         <p:spPr/>
@@ -5862,8 +8566,8 @@
           <a:lstStyle/>
           <a:p>
             <a:r>
-              <a:rPr lang="de-CH" smtClean="0"/>
-              <a:t>13.04.2015</a:t>
+              <a:rPr lang="en-US" smtClean="0"/>
+              <a:t>ACF: Nils Frey, Lucas Graf and Thomas Strebel</a:t>
             </a:r>
             <a:endParaRPr lang="de-CH"/>
           </a:p>
@@ -5871,12 +8575,12 @@
       </p:sp>
       <p:sp>
         <p:nvSpPr>
-          <p:cNvPr id="5" name="Footer Placeholder 4"/>
-          <p:cNvSpPr>
-            <a:spLocks noGrp="1"/>
-          </p:cNvSpPr>
-          <p:nvPr>
-            <p:ph type="ftr" sz="quarter" idx="11"/>
+          <p:cNvPr id="6" name="Slide Number Placeholder 5"/>
+          <p:cNvSpPr>
+            <a:spLocks noGrp="1"/>
+          </p:cNvSpPr>
+          <p:nvPr>
+            <p:ph type="sldNum" sz="quarter" idx="12"/>
           </p:nvPr>
         </p:nvSpPr>
         <p:spPr/>
@@ -5884,30 +8588,7 @@
           <a:bodyPr/>
           <a:lstStyle/>
           <a:p>
-            <a:r>
-              <a:rPr lang="en-US" smtClean="0"/>
-              <a:t>TSM_MobOp Augmented City Finder: Nils Frey, Lucas Graf, Thomas Strebel</a:t>
-            </a:r>
-            <a:endParaRPr lang="de-CH"/>
-          </a:p>
-        </p:txBody>
-      </p:sp>
-      <p:sp>
-        <p:nvSpPr>
-          <p:cNvPr id="6" name="Slide Number Placeholder 5"/>
-          <p:cNvSpPr>
-            <a:spLocks noGrp="1"/>
-          </p:cNvSpPr>
-          <p:nvPr>
-            <p:ph type="sldNum" sz="quarter" idx="12"/>
-          </p:nvPr>
-        </p:nvSpPr>
-        <p:spPr/>
-        <p:txBody>
-          <a:bodyPr/>
-          <a:lstStyle/>
-          <a:p>
-            <a:fld id="{0FC02E39-DF30-4134-BCDF-AD4758630250}" type="slidenum">
+            <a:fld id="{38534A16-F4EA-42C1-9196-9164AB5EF764}" type="slidenum">
               <a:rPr lang="de-CH" smtClean="0"/>
               <a:t>7</a:t>
             </a:fld>
@@ -5918,20 +8599,13 @@
     </p:spTree>
     <p:extLst>
       <p:ext uri="{BB962C8B-B14F-4D97-AF65-F5344CB8AC3E}">
-        <p14:creationId xmlns:p14="http://schemas.microsoft.com/office/powerpoint/2010/main" val="1556668971"/>
+        <p14:creationId xmlns:p14="http://schemas.microsoft.com/office/powerpoint/2010/main" val="2727106798"/>
       </p:ext>
     </p:extLst>
   </p:cSld>
   <p:clrMapOvr>
     <a:masterClrMapping/>
   </p:clrMapOvr>
-  <p:timing>
-    <p:tnLst>
-      <p:par>
-        <p:cTn id="1" dur="indefinite" restart="never" nodeType="tmRoot"/>
-      </p:par>
-    </p:tnLst>
-  </p:timing>
 </p:sld>
 </file>
 
@@ -5968,7 +8642,7 @@
           <a:lstStyle/>
           <a:p>
             <a:r>
-              <a:rPr lang="de-CH" dirty="0" err="1" smtClean="0"/>
+              <a:rPr lang="de-CH" dirty="0" err="1"/>
               <a:t>Testing</a:t>
             </a:r>
             <a:endParaRPr lang="de-CH" dirty="0"/>
@@ -5990,18 +8664,73 @@
           <a:bodyPr/>
           <a:lstStyle/>
           <a:p>
+            <a:pPr>
+              <a:buFont typeface="Arial" panose="020B0604020202020204" pitchFamily="34" charset="0"/>
+              <a:buChar char="•"/>
+            </a:pPr>
+            <a:r>
+              <a:rPr lang="de-CH" dirty="0" smtClean="0"/>
+              <a:t> </a:t>
+            </a:r>
+            <a:r>
+              <a:rPr lang="de-CH" dirty="0"/>
+              <a:t> </a:t>
+            </a:r>
+            <a:r>
+              <a:rPr lang="de-CH" dirty="0" err="1"/>
+              <a:t>To</a:t>
+            </a:r>
+            <a:r>
+              <a:rPr lang="de-CH" dirty="0"/>
+              <a:t> </a:t>
+            </a:r>
+            <a:r>
+              <a:rPr lang="de-CH" dirty="0" err="1"/>
+              <a:t>be</a:t>
+            </a:r>
+            <a:r>
+              <a:rPr lang="de-CH" dirty="0"/>
+              <a:t> </a:t>
+            </a:r>
+            <a:r>
+              <a:rPr lang="de-CH" dirty="0" err="1" smtClean="0"/>
+              <a:t>done</a:t>
+            </a:r>
+            <a:endParaRPr lang="de-CH" dirty="0"/>
+          </a:p>
+        </p:txBody>
+      </p:sp>
+      <p:sp>
+        <p:nvSpPr>
+          <p:cNvPr id="4" name="Date Placeholder 3"/>
+          <p:cNvSpPr>
+            <a:spLocks noGrp="1"/>
+          </p:cNvSpPr>
+          <p:nvPr>
+            <p:ph type="dt" sz="half" idx="10"/>
+          </p:nvPr>
+        </p:nvSpPr>
+        <p:spPr/>
+        <p:txBody>
+          <a:bodyPr/>
+          <a:lstStyle/>
+          <a:p>
+            <a:r>
+              <a:rPr lang="de-DE" smtClean="0"/>
+              <a:t>13.04.2015</a:t>
+            </a:r>
             <a:endParaRPr lang="de-CH"/>
           </a:p>
         </p:txBody>
       </p:sp>
       <p:sp>
         <p:nvSpPr>
-          <p:cNvPr id="4" name="Date Placeholder 3"/>
-          <p:cNvSpPr>
-            <a:spLocks noGrp="1"/>
-          </p:cNvSpPr>
-          <p:nvPr>
-            <p:ph type="dt" sz="half" idx="10"/>
+          <p:cNvPr id="5" name="Footer Placeholder 4"/>
+          <p:cNvSpPr>
+            <a:spLocks noGrp="1"/>
+          </p:cNvSpPr>
+          <p:nvPr>
+            <p:ph type="ftr" sz="quarter" idx="11"/>
           </p:nvPr>
         </p:nvSpPr>
         <p:spPr/>
@@ -6010,8 +8739,8 @@
           <a:lstStyle/>
           <a:p>
             <a:r>
-              <a:rPr lang="de-CH" smtClean="0"/>
-              <a:t>13.04.2015</a:t>
+              <a:rPr lang="en-US" smtClean="0"/>
+              <a:t>ACF: Nils Frey, Lucas Graf and Thomas Strebel</a:t>
             </a:r>
             <a:endParaRPr lang="de-CH"/>
           </a:p>
@@ -6019,12 +8748,12 @@
       </p:sp>
       <p:sp>
         <p:nvSpPr>
-          <p:cNvPr id="5" name="Footer Placeholder 4"/>
-          <p:cNvSpPr>
-            <a:spLocks noGrp="1"/>
-          </p:cNvSpPr>
-          <p:nvPr>
-            <p:ph type="ftr" sz="quarter" idx="11"/>
+          <p:cNvPr id="6" name="Slide Number Placeholder 5"/>
+          <p:cNvSpPr>
+            <a:spLocks noGrp="1"/>
+          </p:cNvSpPr>
+          <p:nvPr>
+            <p:ph type="sldNum" sz="quarter" idx="12"/>
           </p:nvPr>
         </p:nvSpPr>
         <p:spPr/>
@@ -6032,30 +8761,7 @@
           <a:bodyPr/>
           <a:lstStyle/>
           <a:p>
-            <a:r>
-              <a:rPr lang="en-US" smtClean="0"/>
-              <a:t>TSM_MobOp Augmented City Finder: Nils Frey, Lucas Graf, Thomas Strebel</a:t>
-            </a:r>
-            <a:endParaRPr lang="de-CH"/>
-          </a:p>
-        </p:txBody>
-      </p:sp>
-      <p:sp>
-        <p:nvSpPr>
-          <p:cNvPr id="6" name="Slide Number Placeholder 5"/>
-          <p:cNvSpPr>
-            <a:spLocks noGrp="1"/>
-          </p:cNvSpPr>
-          <p:nvPr>
-            <p:ph type="sldNum" sz="quarter" idx="12"/>
-          </p:nvPr>
-        </p:nvSpPr>
-        <p:spPr/>
-        <p:txBody>
-          <a:bodyPr/>
-          <a:lstStyle/>
-          <a:p>
-            <a:fld id="{0FC02E39-DF30-4134-BCDF-AD4758630250}" type="slidenum">
+            <a:fld id="{38534A16-F4EA-42C1-9196-9164AB5EF764}" type="slidenum">
               <a:rPr lang="de-CH" smtClean="0"/>
               <a:t>8</a:t>
             </a:fld>
@@ -6066,20 +8772,13 @@
     </p:spTree>
     <p:extLst>
       <p:ext uri="{BB962C8B-B14F-4D97-AF65-F5344CB8AC3E}">
-        <p14:creationId xmlns:p14="http://schemas.microsoft.com/office/powerpoint/2010/main" val="1576565939"/>
+        <p14:creationId xmlns:p14="http://schemas.microsoft.com/office/powerpoint/2010/main" val="3269671424"/>
       </p:ext>
     </p:extLst>
   </p:cSld>
   <p:clrMapOvr>
     <a:masterClrMapping/>
   </p:clrMapOvr>
-  <p:timing>
-    <p:tnLst>
-      <p:par>
-        <p:cTn id="1" dur="indefinite" restart="never" nodeType="tmRoot"/>
-      </p:par>
-    </p:tnLst>
-  </p:timing>
 </p:sld>
 </file>
 
@@ -6116,19 +8815,19 @@
           <a:lstStyle/>
           <a:p>
             <a:r>
-              <a:rPr lang="de-CH" dirty="0" smtClean="0"/>
+              <a:rPr lang="de-CH" dirty="0"/>
               <a:t>Summary </a:t>
             </a:r>
             <a:r>
-              <a:rPr lang="de-CH" dirty="0" err="1" smtClean="0"/>
+              <a:rPr lang="de-CH" dirty="0" err="1"/>
               <a:t>of</a:t>
             </a:r>
             <a:r>
-              <a:rPr lang="de-CH" dirty="0" smtClean="0"/>
-              <a:t> </a:t>
-            </a:r>
-            <a:r>
-              <a:rPr lang="de-CH" dirty="0" err="1" smtClean="0"/>
+              <a:rPr lang="de-CH" dirty="0"/>
+              <a:t> </a:t>
+            </a:r>
+            <a:r>
+              <a:rPr lang="de-CH" dirty="0" err="1"/>
               <a:t>Achievements</a:t>
             </a:r>
             <a:endParaRPr lang="de-CH" dirty="0"/>
@@ -6150,18 +8849,383 @@
           <a:bodyPr/>
           <a:lstStyle/>
           <a:p>
+            <a:pPr>
+              <a:buFont typeface="Arial" panose="020B0604020202020204" pitchFamily="34" charset="0"/>
+              <a:buChar char="•"/>
+            </a:pPr>
+            <a:r>
+              <a:rPr lang="de-CH" dirty="0"/>
+              <a:t> </a:t>
+            </a:r>
+            <a:r>
+              <a:rPr lang="de-CH" dirty="0" smtClean="0"/>
+              <a:t>Add</a:t>
+            </a:r>
+            <a:r>
+              <a:rPr lang="de-CH" dirty="0"/>
+              <a:t>, </a:t>
+            </a:r>
+            <a:r>
+              <a:rPr lang="de-CH" dirty="0" err="1"/>
+              <a:t>edit</a:t>
+            </a:r>
+            <a:r>
+              <a:rPr lang="de-CH" dirty="0"/>
+              <a:t> </a:t>
+            </a:r>
+            <a:r>
+              <a:rPr lang="de-CH" dirty="0" err="1"/>
+              <a:t>and</a:t>
+            </a:r>
+            <a:r>
+              <a:rPr lang="de-CH" dirty="0"/>
+              <a:t> </a:t>
+            </a:r>
+            <a:r>
+              <a:rPr lang="de-CH" dirty="0" err="1"/>
+              <a:t>delete</a:t>
+            </a:r>
+            <a:r>
+              <a:rPr lang="de-CH" dirty="0"/>
+              <a:t> </a:t>
+            </a:r>
+            <a:r>
+              <a:rPr lang="de-CH" dirty="0" err="1"/>
+              <a:t>new</a:t>
+            </a:r>
+            <a:r>
+              <a:rPr lang="de-CH" dirty="0"/>
+              <a:t> </a:t>
+            </a:r>
+            <a:r>
+              <a:rPr lang="de-CH" dirty="0" err="1"/>
+              <a:t>cities</a:t>
+            </a:r>
+            <a:r>
+              <a:rPr lang="de-CH" dirty="0"/>
+              <a:t> </a:t>
+            </a:r>
+            <a:r>
+              <a:rPr lang="de-CH" dirty="0" err="1"/>
+              <a:t>and</a:t>
+            </a:r>
+            <a:r>
+              <a:rPr lang="de-CH" dirty="0"/>
+              <a:t> </a:t>
+            </a:r>
+            <a:r>
+              <a:rPr lang="de-CH" dirty="0" err="1"/>
+              <a:t>groups</a:t>
+            </a:r>
+            <a:endParaRPr lang="de-CH" dirty="0"/>
+          </a:p>
+          <a:p>
+            <a:pPr>
+              <a:buFont typeface="Arial" panose="020B0604020202020204" pitchFamily="34" charset="0"/>
+              <a:buChar char="•"/>
+            </a:pPr>
+            <a:r>
+              <a:rPr lang="de-CH" dirty="0" smtClean="0"/>
+              <a:t> </a:t>
+            </a:r>
+            <a:r>
+              <a:rPr lang="de-CH" dirty="0" err="1" smtClean="0"/>
+              <a:t>Get</a:t>
+            </a:r>
+            <a:r>
+              <a:rPr lang="de-CH" dirty="0" smtClean="0"/>
+              <a:t> </a:t>
+            </a:r>
+            <a:r>
+              <a:rPr lang="de-CH" dirty="0" err="1"/>
+              <a:t>the</a:t>
+            </a:r>
+            <a:r>
+              <a:rPr lang="de-CH" dirty="0"/>
+              <a:t> </a:t>
+            </a:r>
+            <a:r>
+              <a:rPr lang="de-CH" dirty="0" err="1"/>
+              <a:t>current</a:t>
+            </a:r>
+            <a:r>
+              <a:rPr lang="de-CH" dirty="0"/>
+              <a:t> </a:t>
+            </a:r>
+            <a:r>
+              <a:rPr lang="de-CH" dirty="0" err="1"/>
+              <a:t>device</a:t>
+            </a:r>
+            <a:r>
+              <a:rPr lang="de-CH" dirty="0"/>
+              <a:t> </a:t>
+            </a:r>
+            <a:r>
+              <a:rPr lang="de-CH" dirty="0" err="1"/>
+              <a:t>location</a:t>
+            </a:r>
+            <a:endParaRPr lang="de-CH" dirty="0"/>
+          </a:p>
+          <a:p>
+            <a:pPr>
+              <a:buFont typeface="Arial" panose="020B0604020202020204" pitchFamily="34" charset="0"/>
+              <a:buChar char="•"/>
+            </a:pPr>
+            <a:r>
+              <a:rPr lang="de-CH" dirty="0" smtClean="0"/>
+              <a:t> </a:t>
+            </a:r>
+            <a:r>
+              <a:rPr lang="de-CH" dirty="0" err="1" smtClean="0"/>
+              <a:t>Calculate</a:t>
+            </a:r>
+            <a:r>
+              <a:rPr lang="de-CH" dirty="0" smtClean="0"/>
+              <a:t> </a:t>
+            </a:r>
+            <a:r>
+              <a:rPr lang="de-CH" dirty="0" err="1"/>
+              <a:t>the</a:t>
+            </a:r>
+            <a:r>
+              <a:rPr lang="de-CH" dirty="0"/>
+              <a:t> </a:t>
+            </a:r>
+            <a:r>
+              <a:rPr lang="de-CH" dirty="0" err="1"/>
+              <a:t>distance</a:t>
+            </a:r>
+            <a:r>
+              <a:rPr lang="de-CH" dirty="0"/>
+              <a:t> </a:t>
+            </a:r>
+            <a:r>
+              <a:rPr lang="de-CH" dirty="0" err="1"/>
+              <a:t>to</a:t>
+            </a:r>
+            <a:r>
+              <a:rPr lang="de-CH" dirty="0"/>
+              <a:t> </a:t>
+            </a:r>
+            <a:r>
+              <a:rPr lang="de-CH" dirty="0" err="1"/>
+              <a:t>the</a:t>
+            </a:r>
+            <a:r>
+              <a:rPr lang="de-CH" dirty="0"/>
+              <a:t> </a:t>
+            </a:r>
+            <a:r>
+              <a:rPr lang="de-CH" dirty="0" err="1"/>
+              <a:t>cities</a:t>
+            </a:r>
+            <a:endParaRPr lang="de-CH" dirty="0"/>
+          </a:p>
+          <a:p>
+            <a:pPr>
+              <a:buFont typeface="Arial" panose="020B0604020202020204" pitchFamily="34" charset="0"/>
+              <a:buChar char="•"/>
+            </a:pPr>
+            <a:r>
+              <a:rPr lang="de-CH" dirty="0" smtClean="0"/>
+              <a:t> Display </a:t>
+            </a:r>
+            <a:r>
+              <a:rPr lang="de-CH" dirty="0" err="1"/>
+              <a:t>cities</a:t>
+            </a:r>
+            <a:r>
+              <a:rPr lang="de-CH" dirty="0"/>
+              <a:t> </a:t>
+            </a:r>
+            <a:r>
+              <a:rPr lang="de-CH" dirty="0" err="1"/>
+              <a:t>and</a:t>
+            </a:r>
+            <a:r>
+              <a:rPr lang="de-CH" dirty="0"/>
+              <a:t> </a:t>
+            </a:r>
+            <a:r>
+              <a:rPr lang="de-CH" dirty="0" err="1"/>
+              <a:t>distance</a:t>
+            </a:r>
+            <a:r>
+              <a:rPr lang="de-CH" dirty="0"/>
+              <a:t> </a:t>
+            </a:r>
+            <a:r>
+              <a:rPr lang="de-CH" dirty="0" err="1"/>
+              <a:t>directly</a:t>
+            </a:r>
+            <a:r>
+              <a:rPr lang="de-CH" dirty="0"/>
+              <a:t> in </a:t>
+            </a:r>
+            <a:r>
+              <a:rPr lang="de-CH" dirty="0" err="1"/>
+              <a:t>the</a:t>
+            </a:r>
+            <a:r>
+              <a:rPr lang="de-CH" dirty="0"/>
+              <a:t> </a:t>
+            </a:r>
+            <a:r>
+              <a:rPr lang="de-CH" dirty="0" err="1"/>
+              <a:t>camera</a:t>
+            </a:r>
+            <a:r>
+              <a:rPr lang="de-CH" dirty="0"/>
+              <a:t> </a:t>
+            </a:r>
+            <a:r>
+              <a:rPr lang="de-CH" dirty="0" err="1"/>
+              <a:t>depending</a:t>
+            </a:r>
+            <a:r>
+              <a:rPr lang="de-CH" dirty="0"/>
+              <a:t> on </a:t>
+            </a:r>
+            <a:r>
+              <a:rPr lang="de-CH" dirty="0" err="1"/>
+              <a:t>the</a:t>
+            </a:r>
+            <a:r>
+              <a:rPr lang="de-CH" dirty="0"/>
+              <a:t> </a:t>
+            </a:r>
+            <a:r>
+              <a:rPr lang="de-CH" dirty="0" err="1"/>
+              <a:t>device</a:t>
+            </a:r>
+            <a:r>
+              <a:rPr lang="de-CH" dirty="0"/>
+              <a:t> </a:t>
+            </a:r>
+            <a:r>
+              <a:rPr lang="de-CH" dirty="0" err="1"/>
+              <a:t>direction</a:t>
+            </a:r>
+            <a:endParaRPr lang="de-CH" dirty="0"/>
+          </a:p>
+          <a:p>
+            <a:pPr>
+              <a:buFont typeface="Arial" panose="020B0604020202020204" pitchFamily="34" charset="0"/>
+              <a:buChar char="•"/>
+            </a:pPr>
+            <a:r>
+              <a:rPr lang="de-CH" dirty="0" smtClean="0"/>
+              <a:t> Register </a:t>
+            </a:r>
+            <a:r>
+              <a:rPr lang="de-CH" dirty="0"/>
+              <a:t>taps on </a:t>
+            </a:r>
+            <a:r>
+              <a:rPr lang="de-CH" dirty="0" err="1" smtClean="0"/>
+              <a:t>cities</a:t>
+            </a:r>
+            <a:endParaRPr lang="de-CH" dirty="0" smtClean="0"/>
+          </a:p>
+          <a:p>
+            <a:pPr>
+              <a:buFont typeface="Arial" panose="020B0604020202020204" pitchFamily="34" charset="0"/>
+              <a:buChar char="•"/>
+            </a:pPr>
+            <a:r>
+              <a:rPr lang="de-CH" dirty="0" smtClean="0"/>
+              <a:t> Communication </a:t>
+            </a:r>
+            <a:r>
+              <a:rPr lang="de-CH" dirty="0" err="1" smtClean="0"/>
+              <a:t>with</a:t>
+            </a:r>
+            <a:r>
+              <a:rPr lang="de-CH" dirty="0" smtClean="0"/>
+              <a:t> </a:t>
+            </a:r>
+            <a:r>
+              <a:rPr lang="de-CH" dirty="0" err="1" smtClean="0"/>
+              <a:t>the</a:t>
+            </a:r>
+            <a:r>
+              <a:rPr lang="de-CH" dirty="0" smtClean="0"/>
+              <a:t> </a:t>
+            </a:r>
+            <a:r>
+              <a:rPr lang="de-CH" dirty="0" err="1" smtClean="0"/>
+              <a:t>server</a:t>
+            </a:r>
+            <a:endParaRPr lang="de-CH" dirty="0"/>
+          </a:p>
+          <a:p>
+            <a:pPr>
+              <a:buFont typeface="Arial" panose="020B0604020202020204" pitchFamily="34" charset="0"/>
+              <a:buChar char="•"/>
+            </a:pPr>
+            <a:r>
+              <a:rPr lang="de-CH" dirty="0" smtClean="0"/>
+              <a:t> </a:t>
+            </a:r>
+            <a:r>
+              <a:rPr lang="de-CH" dirty="0" err="1" smtClean="0"/>
+              <a:t>Develope</a:t>
+            </a:r>
+            <a:r>
+              <a:rPr lang="de-CH" dirty="0" smtClean="0"/>
+              <a:t> </a:t>
+            </a:r>
+            <a:r>
+              <a:rPr lang="de-CH" dirty="0"/>
+              <a:t>an </a:t>
+            </a:r>
+            <a:r>
+              <a:rPr lang="de-CH" dirty="0" err="1"/>
+              <a:t>appropriate</a:t>
+            </a:r>
+            <a:r>
+              <a:rPr lang="de-CH" dirty="0"/>
+              <a:t> </a:t>
+            </a:r>
+            <a:r>
+              <a:rPr lang="de-CH" dirty="0" err="1" smtClean="0"/>
+              <a:t>server</a:t>
+            </a:r>
+            <a:endParaRPr lang="de-CH" dirty="0"/>
+          </a:p>
+        </p:txBody>
+      </p:sp>
+      <p:sp>
+        <p:nvSpPr>
+          <p:cNvPr id="4" name="Date Placeholder 3"/>
+          <p:cNvSpPr>
+            <a:spLocks noGrp="1"/>
+          </p:cNvSpPr>
+          <p:nvPr>
+            <p:ph type="dt" sz="half" idx="10"/>
+          </p:nvPr>
+        </p:nvSpPr>
+        <p:spPr/>
+        <p:txBody>
+          <a:bodyPr/>
+          <a:lstStyle/>
+          <a:p>
+            <a:r>
+              <a:rPr lang="de-DE" smtClean="0"/>
+              <a:t>13.04.2015</a:t>
+            </a:r>
             <a:endParaRPr lang="de-CH"/>
           </a:p>
         </p:txBody>
       </p:sp>
       <p:sp>
         <p:nvSpPr>
-          <p:cNvPr id="4" name="Date Placeholder 3"/>
-          <p:cNvSpPr>
-            <a:spLocks noGrp="1"/>
-          </p:cNvSpPr>
-          <p:nvPr>
-            <p:ph type="dt" sz="half" idx="10"/>
+          <p:cNvPr id="5" name="Footer Placeholder 4"/>
+          <p:cNvSpPr>
+            <a:spLocks noGrp="1"/>
+          </p:cNvSpPr>
+          <p:nvPr>
+            <p:ph type="ftr" sz="quarter" idx="11"/>
           </p:nvPr>
         </p:nvSpPr>
         <p:spPr/>
@@ -6170,8 +9234,8 @@
           <a:lstStyle/>
           <a:p>
             <a:r>
-              <a:rPr lang="de-CH" smtClean="0"/>
-              <a:t>13.04.2015</a:t>
+              <a:rPr lang="en-US" smtClean="0"/>
+              <a:t>ACF: Nils Frey, Lucas Graf and Thomas Strebel</a:t>
             </a:r>
             <a:endParaRPr lang="de-CH"/>
           </a:p>
@@ -6179,12 +9243,12 @@
       </p:sp>
       <p:sp>
         <p:nvSpPr>
-          <p:cNvPr id="5" name="Footer Placeholder 4"/>
-          <p:cNvSpPr>
-            <a:spLocks noGrp="1"/>
-          </p:cNvSpPr>
-          <p:nvPr>
-            <p:ph type="ftr" sz="quarter" idx="11"/>
+          <p:cNvPr id="6" name="Slide Number Placeholder 5"/>
+          <p:cNvSpPr>
+            <a:spLocks noGrp="1"/>
+          </p:cNvSpPr>
+          <p:nvPr>
+            <p:ph type="sldNum" sz="quarter" idx="12"/>
           </p:nvPr>
         </p:nvSpPr>
         <p:spPr/>
@@ -6192,30 +9256,7 @@
           <a:bodyPr/>
           <a:lstStyle/>
           <a:p>
-            <a:r>
-              <a:rPr lang="en-US" smtClean="0"/>
-              <a:t>TSM_MobOp Augmented City Finder: Nils Frey, Lucas Graf, Thomas Strebel</a:t>
-            </a:r>
-            <a:endParaRPr lang="de-CH"/>
-          </a:p>
-        </p:txBody>
-      </p:sp>
-      <p:sp>
-        <p:nvSpPr>
-          <p:cNvPr id="6" name="Slide Number Placeholder 5"/>
-          <p:cNvSpPr>
-            <a:spLocks noGrp="1"/>
-          </p:cNvSpPr>
-          <p:nvPr>
-            <p:ph type="sldNum" sz="quarter" idx="12"/>
-          </p:nvPr>
-        </p:nvSpPr>
-        <p:spPr/>
-        <p:txBody>
-          <a:bodyPr/>
-          <a:lstStyle/>
-          <a:p>
-            <a:fld id="{0FC02E39-DF30-4134-BCDF-AD4758630250}" type="slidenum">
+            <a:fld id="{38534A16-F4EA-42C1-9196-9164AB5EF764}" type="slidenum">
               <a:rPr lang="de-CH" smtClean="0"/>
               <a:t>9</a:t>
             </a:fld>
@@ -6226,20 +9267,13 @@
     </p:spTree>
     <p:extLst>
       <p:ext uri="{BB962C8B-B14F-4D97-AF65-F5344CB8AC3E}">
-        <p14:creationId xmlns:p14="http://schemas.microsoft.com/office/powerpoint/2010/main" val="1534448956"/>
+        <p14:creationId xmlns:p14="http://schemas.microsoft.com/office/powerpoint/2010/main" val="4185975322"/>
       </p:ext>
     </p:extLst>
   </p:cSld>
   <p:clrMapOvr>
     <a:masterClrMapping/>
   </p:clrMapOvr>
-  <p:timing>
-    <p:tnLst>
-      <p:par>
-        <p:cTn id="1" dur="indefinite" restart="never" nodeType="tmRoot"/>
-      </p:par>
-    </p:tnLst>
-  </p:timing>
 </p:sld>
 </file>
 
